--- a/2. 김종욱 교수님 미팅 준비 자료/Subjects.pptx
+++ b/2. 김종욱 교수님 미팅 준비 자료/Subjects.pptx
@@ -210,7 +210,7 @@
           <a:p>
             <a:fld id="{D4A17F13-CEB1-AC42-B69B-F45AB2CFDA0E}" type="datetimeFigureOut">
               <a:rPr kumimoji="1" lang="ko-KR" altLang="en-US" smtClean="0"/>
-              <a:t>2019-03-31</a:t>
+              <a:t>2019. 4. 1.</a:t>
             </a:fld>
             <a:endParaRPr kumimoji="1" lang="ko-KR" altLang="en-US"/>
           </a:p>
@@ -583,6 +583,90 @@
           <a:bodyPr/>
           <a:lstStyle/>
           <a:p>
+            <a:endParaRPr kumimoji="1" lang="ko-KR" altLang="en-US" dirty="0"/>
+          </a:p>
+        </p:txBody>
+      </p:sp>
+      <p:sp>
+        <p:nvSpPr>
+          <p:cNvPr id="4" name="슬라이드 번호 개체 틀 3"/>
+          <p:cNvSpPr>
+            <a:spLocks noGrp="1"/>
+          </p:cNvSpPr>
+          <p:nvPr>
+            <p:ph type="sldNum" sz="quarter" idx="5"/>
+          </p:nvPr>
+        </p:nvSpPr>
+        <p:spPr/>
+        <p:txBody>
+          <a:bodyPr/>
+          <a:lstStyle/>
+          <a:p>
+            <a:fld id="{8B953136-AA23-ED42-B8A7-58504F0148BF}" type="slidenum">
+              <a:rPr kumimoji="1" lang="ko-KR" altLang="en-US" smtClean="0"/>
+              <a:t>7</a:t>
+            </a:fld>
+            <a:endParaRPr kumimoji="1" lang="ko-KR" altLang="en-US"/>
+          </a:p>
+        </p:txBody>
+      </p:sp>
+    </p:spTree>
+    <p:extLst>
+      <p:ext uri="{BB962C8B-B14F-4D97-AF65-F5344CB8AC3E}">
+        <p14:creationId xmlns:p14="http://schemas.microsoft.com/office/powerpoint/2010/main" val="3358142834"/>
+      </p:ext>
+    </p:extLst>
+  </p:cSld>
+  <p:clrMapOvr>
+    <a:masterClrMapping/>
+  </p:clrMapOvr>
+</p:notes>
+</file>
+
+<file path=ppt/notesSlides/notesSlide3.xml><?xml version="1.0" encoding="utf-8"?>
+<p:notes xmlns:a="http://schemas.openxmlformats.org/drawingml/2006/main" xmlns:r="http://schemas.openxmlformats.org/officeDocument/2006/relationships" xmlns:p="http://schemas.openxmlformats.org/presentationml/2006/main">
+  <p:cSld>
+    <p:spTree>
+      <p:nvGrpSpPr>
+        <p:cNvPr id="1" name=""/>
+        <p:cNvGrpSpPr/>
+        <p:nvPr/>
+      </p:nvGrpSpPr>
+      <p:grpSpPr>
+        <a:xfrm>
+          <a:off x="0" y="0"/>
+          <a:ext cx="0" cy="0"/>
+          <a:chOff x="0" y="0"/>
+          <a:chExt cx="0" cy="0"/>
+        </a:xfrm>
+      </p:grpSpPr>
+      <p:sp>
+        <p:nvSpPr>
+          <p:cNvPr id="2" name="슬라이드 이미지 개체 틀 1"/>
+          <p:cNvSpPr>
+            <a:spLocks noGrp="1" noRot="1" noChangeAspect="1"/>
+          </p:cNvSpPr>
+          <p:nvPr>
+            <p:ph type="sldImg"/>
+          </p:nvPr>
+        </p:nvSpPr>
+        <p:spPr/>
+      </p:sp>
+      <p:sp>
+        <p:nvSpPr>
+          <p:cNvPr id="3" name="슬라이드 노트 개체 틀 2"/>
+          <p:cNvSpPr>
+            <a:spLocks noGrp="1"/>
+          </p:cNvSpPr>
+          <p:nvPr>
+            <p:ph type="body" idx="1"/>
+          </p:nvPr>
+        </p:nvSpPr>
+        <p:spPr/>
+        <p:txBody>
+          <a:bodyPr/>
+          <a:lstStyle/>
+          <a:p>
             <a:r>
               <a:rPr lang="ko-KR" altLang="en-US" dirty="0"/>
               <a:t>각 픽셀 별 </a:t>
@@ -602,6 +686,14 @@
             <a:r>
               <a:rPr lang="ko-KR" altLang="en-US" dirty="0"/>
               <a:t>파일로 기록</a:t>
+            </a:r>
+            <a:r>
+              <a:rPr lang="en-US" altLang="ko-KR" dirty="0"/>
+              <a:t>, </a:t>
+            </a:r>
+            <a:r>
+              <a:rPr lang="ko-KR" altLang="en-US" dirty="0"/>
+              <a:t>파일을 연속적으로 읽어 들이는 부분 추가 필요함</a:t>
             </a:r>
           </a:p>
         </p:txBody>
@@ -779,7 +871,7 @@
           <a:p>
             <a:fld id="{71949CBA-15A4-304E-AB92-D807D10DD6E4}" type="datetimeFigureOut">
               <a:rPr kumimoji="1" lang="ko-KR" altLang="en-US" smtClean="0"/>
-              <a:t>2019-03-31</a:t>
+              <a:t>2019. 4. 1.</a:t>
             </a:fld>
             <a:endParaRPr kumimoji="1" lang="ko-KR" altLang="en-US"/>
           </a:p>
@@ -1097,7 +1189,7 @@
           <a:p>
             <a:fld id="{71949CBA-15A4-304E-AB92-D807D10DD6E4}" type="datetimeFigureOut">
               <a:rPr kumimoji="1" lang="ko-KR" altLang="en-US" smtClean="0"/>
-              <a:t>2019-03-31</a:t>
+              <a:t>2019. 4. 1.</a:t>
             </a:fld>
             <a:endParaRPr kumimoji="1" lang="ko-KR" altLang="en-US"/>
           </a:p>
@@ -1253,7 +1345,7 @@
           <a:p>
             <a:fld id="{71949CBA-15A4-304E-AB92-D807D10DD6E4}" type="datetimeFigureOut">
               <a:rPr kumimoji="1" lang="ko-KR" altLang="en-US" smtClean="0"/>
-              <a:t>2019-03-31</a:t>
+              <a:t>2019. 4. 1.</a:t>
             </a:fld>
             <a:endParaRPr kumimoji="1" lang="ko-KR" altLang="en-US"/>
           </a:p>
@@ -1413,7 +1505,7 @@
           <a:p>
             <a:fld id="{71949CBA-15A4-304E-AB92-D807D10DD6E4}" type="datetimeFigureOut">
               <a:rPr kumimoji="1" lang="ko-KR" altLang="en-US" smtClean="0"/>
-              <a:t>2019-03-31</a:t>
+              <a:t>2019. 4. 1.</a:t>
             </a:fld>
             <a:endParaRPr kumimoji="1" lang="ko-KR" altLang="en-US"/>
           </a:p>
@@ -1750,7 +1842,7 @@
           <a:p>
             <a:fld id="{71949CBA-15A4-304E-AB92-D807D10DD6E4}" type="datetimeFigureOut">
               <a:rPr kumimoji="1" lang="ko-KR" altLang="en-US" smtClean="0"/>
-              <a:t>2019-03-31</a:t>
+              <a:t>2019. 4. 1.</a:t>
             </a:fld>
             <a:endParaRPr kumimoji="1" lang="ko-KR" altLang="en-US"/>
           </a:p>
@@ -1934,7 +2026,7 @@
           <a:p>
             <a:fld id="{71949CBA-15A4-304E-AB92-D807D10DD6E4}" type="datetimeFigureOut">
               <a:rPr kumimoji="1" lang="ko-KR" altLang="en-US" smtClean="0"/>
-              <a:t>2019-03-31</a:t>
+              <a:t>2019. 4. 1.</a:t>
             </a:fld>
             <a:endParaRPr kumimoji="1" lang="ko-KR" altLang="en-US"/>
           </a:p>
@@ -2263,7 +2355,7 @@
           <a:p>
             <a:fld id="{71949CBA-15A4-304E-AB92-D807D10DD6E4}" type="datetimeFigureOut">
               <a:rPr kumimoji="1" lang="ko-KR" altLang="en-US" smtClean="0"/>
-              <a:t>2019-03-31</a:t>
+              <a:t>2019. 4. 1.</a:t>
             </a:fld>
             <a:endParaRPr kumimoji="1" lang="ko-KR" altLang="en-US"/>
           </a:p>
@@ -2381,7 +2473,7 @@
           <a:p>
             <a:fld id="{71949CBA-15A4-304E-AB92-D807D10DD6E4}" type="datetimeFigureOut">
               <a:rPr kumimoji="1" lang="ko-KR" altLang="en-US" smtClean="0"/>
-              <a:t>2019-03-31</a:t>
+              <a:t>2019. 4. 1.</a:t>
             </a:fld>
             <a:endParaRPr kumimoji="1" lang="ko-KR" altLang="en-US"/>
           </a:p>
@@ -2476,7 +2568,7 @@
           <a:p>
             <a:fld id="{71949CBA-15A4-304E-AB92-D807D10DD6E4}" type="datetimeFigureOut">
               <a:rPr kumimoji="1" lang="ko-KR" altLang="en-US" smtClean="0"/>
-              <a:t>2019-03-31</a:t>
+              <a:t>2019. 4. 1.</a:t>
             </a:fld>
             <a:endParaRPr kumimoji="1" lang="ko-KR" altLang="en-US"/>
           </a:p>
@@ -2734,7 +2826,7 @@
           <a:p>
             <a:fld id="{71949CBA-15A4-304E-AB92-D807D10DD6E4}" type="datetimeFigureOut">
               <a:rPr kumimoji="1" lang="ko-KR" altLang="en-US" smtClean="0"/>
-              <a:t>2019-03-31</a:t>
+              <a:t>2019. 4. 1.</a:t>
             </a:fld>
             <a:endParaRPr kumimoji="1" lang="ko-KR" altLang="en-US"/>
           </a:p>
@@ -2996,7 +3088,7 @@
           <a:p>
             <a:fld id="{71949CBA-15A4-304E-AB92-D807D10DD6E4}" type="datetimeFigureOut">
               <a:rPr kumimoji="1" lang="ko-KR" altLang="en-US" smtClean="0"/>
-              <a:t>2019-03-31</a:t>
+              <a:t>2019. 4. 1.</a:t>
             </a:fld>
             <a:endParaRPr kumimoji="1" lang="ko-KR" altLang="en-US"/>
           </a:p>
@@ -3185,7 +3277,7 @@
           <a:p>
             <a:fld id="{71949CBA-15A4-304E-AB92-D807D10DD6E4}" type="datetimeFigureOut">
               <a:rPr kumimoji="1" lang="ko-KR" altLang="en-US" smtClean="0"/>
-              <a:t>2019-03-31</a:t>
+              <a:t>2019. 4. 1.</a:t>
             </a:fld>
             <a:endParaRPr kumimoji="1" lang="ko-KR" altLang="en-US"/>
           </a:p>
@@ -3835,31 +3927,6 @@
       </p:grpSpPr>
       <p:sp>
         <p:nvSpPr>
-          <p:cNvPr id="2" name="제목 1">
-            <a:extLst>
-              <a:ext uri="{FF2B5EF4-FFF2-40B4-BE49-F238E27FC236}">
-                <a16:creationId xmlns:a16="http://schemas.microsoft.com/office/drawing/2014/main" id="{F71F62BB-9590-47EE-BBDB-417BC0BF324C}"/>
-              </a:ext>
-            </a:extLst>
-          </p:cNvPr>
-          <p:cNvSpPr>
-            <a:spLocks noGrp="1"/>
-          </p:cNvSpPr>
-          <p:nvPr>
-            <p:ph type="title"/>
-          </p:nvPr>
-        </p:nvSpPr>
-        <p:spPr/>
-        <p:txBody>
-          <a:bodyPr/>
-          <a:lstStyle/>
-          <a:p>
-            <a:endParaRPr lang="ko-KR" altLang="en-US"/>
-          </a:p>
-        </p:txBody>
-      </p:sp>
-      <p:sp>
-        <p:nvSpPr>
           <p:cNvPr id="3" name="내용 개체 틀 2">
             <a:extLst>
               <a:ext uri="{FF2B5EF4-FFF2-40B4-BE49-F238E27FC236}">
@@ -3874,22 +3941,31 @@
             <p:ph idx="1"/>
           </p:nvPr>
         </p:nvSpPr>
-        <p:spPr/>
+        <p:spPr>
+          <a:xfrm>
+            <a:off x="838200" y="1253331"/>
+            <a:ext cx="10515600" cy="4351338"/>
+          </a:xfrm>
+        </p:spPr>
         <p:txBody>
           <a:bodyPr/>
           <a:lstStyle/>
           <a:p>
             <a:r>
+              <a:rPr lang="ko-KR" altLang="en-US" dirty="0"/>
+              <a:t>추출한 </a:t>
+            </a:r>
+            <a:r>
               <a:rPr lang="en-US" altLang="ko-KR" dirty="0"/>
-              <a:t>RGB </a:t>
+              <a:t>RGB</a:t>
             </a:r>
             <a:r>
               <a:rPr lang="ko-KR" altLang="en-US" dirty="0"/>
-              <a:t>값을 통해 </a:t>
-            </a:r>
-            <a:r>
-              <a:rPr lang="ko-KR" altLang="en-US" dirty="0" err="1"/>
-              <a:t>라벨링</a:t>
+              <a:t>값을 </a:t>
+            </a:r>
+            <a:r>
+              <a:rPr lang="en-US" altLang="ko-KR" dirty="0"/>
+              <a:t>labeling</a:t>
             </a:r>
             <a:r>
               <a:rPr lang="ko-KR" altLang="en-US" dirty="0"/>
@@ -4060,7 +4136,7 @@
           <p:nvPr>
             <p:extLst>
               <p:ext uri="{D42A27DB-BD31-4B8C-83A1-F6EECF244321}">
-                <p14:modId xmlns:p14="http://schemas.microsoft.com/office/powerpoint/2010/main" val="2677191132"/>
+                <p14:modId xmlns:p14="http://schemas.microsoft.com/office/powerpoint/2010/main" val="1934772708"/>
               </p:ext>
             </p:extLst>
           </p:nvPr>
@@ -4255,6 +4331,14 @@
                     <a:lstStyle/>
                     <a:p>
                       <a:pPr algn="ctr" latinLnBrk="1"/>
+                      <a:r>
+                        <a:rPr lang="en-US" altLang="ko-KR" dirty="0">
+                          <a:solidFill>
+                            <a:schemeClr val="tx1"/>
+                          </a:solidFill>
+                        </a:rPr>
+                        <a:t>20190401</a:t>
+                      </a:r>
                       <a:endParaRPr lang="ko-KR" altLang="en-US" dirty="0">
                         <a:solidFill>
                           <a:schemeClr val="tx1"/>
@@ -4272,6 +4356,14 @@
                     <a:lstStyle/>
                     <a:p>
                       <a:pPr algn="ctr" latinLnBrk="1"/>
+                      <a:r>
+                        <a:rPr lang="en-US" altLang="ko-KR" dirty="0">
+                          <a:solidFill>
+                            <a:schemeClr val="tx1"/>
+                          </a:solidFill>
+                        </a:rPr>
+                        <a:t>v.0.1.0</a:t>
+                      </a:r>
                       <a:endParaRPr lang="ko-KR" altLang="en-US" dirty="0">
                         <a:solidFill>
                           <a:schemeClr val="tx1"/>
@@ -6528,7 +6620,7 @@
         </p:nvSpPr>
         <p:spPr>
           <a:xfrm>
-            <a:off x="838200" y="601943"/>
+            <a:off x="838200" y="1248373"/>
             <a:ext cx="10515600" cy="4351338"/>
           </a:xfrm>
         </p:spPr>
@@ -6572,7 +6664,7 @@
         </p:blipFill>
         <p:spPr>
           <a:xfrm>
-            <a:off x="1350177" y="1963765"/>
+            <a:off x="1409074" y="2253511"/>
             <a:ext cx="5429470" cy="2930469"/>
           </a:xfrm>
           <a:prstGeom prst="rect">
@@ -6602,7 +6694,7 @@
         </p:blipFill>
         <p:spPr>
           <a:xfrm>
-            <a:off x="7409418" y="1258289"/>
+            <a:off x="7609114" y="1258289"/>
             <a:ext cx="2185057" cy="4920914"/>
           </a:xfrm>
           <a:prstGeom prst="rect">

--- a/2. 김종욱 교수님 미팅 준비 자료/Subjects.pptx
+++ b/2. 김종욱 교수님 미팅 준비 자료/Subjects.pptx
@@ -210,7 +210,7 @@
           <a:p>
             <a:fld id="{D4A17F13-CEB1-AC42-B69B-F45AB2CFDA0E}" type="datetimeFigureOut">
               <a:rPr kumimoji="1" lang="ko-KR" altLang="en-US" smtClean="0"/>
-              <a:t>2019. 4. 1.</a:t>
+              <a:t>2019-04-01</a:t>
             </a:fld>
             <a:endParaRPr kumimoji="1" lang="ko-KR" altLang="en-US"/>
           </a:p>
@@ -871,7 +871,7 @@
           <a:p>
             <a:fld id="{71949CBA-15A4-304E-AB92-D807D10DD6E4}" type="datetimeFigureOut">
               <a:rPr kumimoji="1" lang="ko-KR" altLang="en-US" smtClean="0"/>
-              <a:t>2019. 4. 1.</a:t>
+              <a:t>2019-04-01</a:t>
             </a:fld>
             <a:endParaRPr kumimoji="1" lang="ko-KR" altLang="en-US"/>
           </a:p>
@@ -1189,7 +1189,7 @@
           <a:p>
             <a:fld id="{71949CBA-15A4-304E-AB92-D807D10DD6E4}" type="datetimeFigureOut">
               <a:rPr kumimoji="1" lang="ko-KR" altLang="en-US" smtClean="0"/>
-              <a:t>2019. 4. 1.</a:t>
+              <a:t>2019-04-01</a:t>
             </a:fld>
             <a:endParaRPr kumimoji="1" lang="ko-KR" altLang="en-US"/>
           </a:p>
@@ -1345,7 +1345,7 @@
           <a:p>
             <a:fld id="{71949CBA-15A4-304E-AB92-D807D10DD6E4}" type="datetimeFigureOut">
               <a:rPr kumimoji="1" lang="ko-KR" altLang="en-US" smtClean="0"/>
-              <a:t>2019. 4. 1.</a:t>
+              <a:t>2019-04-01</a:t>
             </a:fld>
             <a:endParaRPr kumimoji="1" lang="ko-KR" altLang="en-US"/>
           </a:p>
@@ -1505,7 +1505,7 @@
           <a:p>
             <a:fld id="{71949CBA-15A4-304E-AB92-D807D10DD6E4}" type="datetimeFigureOut">
               <a:rPr kumimoji="1" lang="ko-KR" altLang="en-US" smtClean="0"/>
-              <a:t>2019. 4. 1.</a:t>
+              <a:t>2019-04-01</a:t>
             </a:fld>
             <a:endParaRPr kumimoji="1" lang="ko-KR" altLang="en-US"/>
           </a:p>
@@ -1842,7 +1842,7 @@
           <a:p>
             <a:fld id="{71949CBA-15A4-304E-AB92-D807D10DD6E4}" type="datetimeFigureOut">
               <a:rPr kumimoji="1" lang="ko-KR" altLang="en-US" smtClean="0"/>
-              <a:t>2019. 4. 1.</a:t>
+              <a:t>2019-04-01</a:t>
             </a:fld>
             <a:endParaRPr kumimoji="1" lang="ko-KR" altLang="en-US"/>
           </a:p>
@@ -2026,7 +2026,7 @@
           <a:p>
             <a:fld id="{71949CBA-15A4-304E-AB92-D807D10DD6E4}" type="datetimeFigureOut">
               <a:rPr kumimoji="1" lang="ko-KR" altLang="en-US" smtClean="0"/>
-              <a:t>2019. 4. 1.</a:t>
+              <a:t>2019-04-01</a:t>
             </a:fld>
             <a:endParaRPr kumimoji="1" lang="ko-KR" altLang="en-US"/>
           </a:p>
@@ -2355,7 +2355,7 @@
           <a:p>
             <a:fld id="{71949CBA-15A4-304E-AB92-D807D10DD6E4}" type="datetimeFigureOut">
               <a:rPr kumimoji="1" lang="ko-KR" altLang="en-US" smtClean="0"/>
-              <a:t>2019. 4. 1.</a:t>
+              <a:t>2019-04-01</a:t>
             </a:fld>
             <a:endParaRPr kumimoji="1" lang="ko-KR" altLang="en-US"/>
           </a:p>
@@ -2473,7 +2473,7 @@
           <a:p>
             <a:fld id="{71949CBA-15A4-304E-AB92-D807D10DD6E4}" type="datetimeFigureOut">
               <a:rPr kumimoji="1" lang="ko-KR" altLang="en-US" smtClean="0"/>
-              <a:t>2019. 4. 1.</a:t>
+              <a:t>2019-04-01</a:t>
             </a:fld>
             <a:endParaRPr kumimoji="1" lang="ko-KR" altLang="en-US"/>
           </a:p>
@@ -2568,7 +2568,7 @@
           <a:p>
             <a:fld id="{71949CBA-15A4-304E-AB92-D807D10DD6E4}" type="datetimeFigureOut">
               <a:rPr kumimoji="1" lang="ko-KR" altLang="en-US" smtClean="0"/>
-              <a:t>2019. 4. 1.</a:t>
+              <a:t>2019-04-01</a:t>
             </a:fld>
             <a:endParaRPr kumimoji="1" lang="ko-KR" altLang="en-US"/>
           </a:p>
@@ -2826,7 +2826,7 @@
           <a:p>
             <a:fld id="{71949CBA-15A4-304E-AB92-D807D10DD6E4}" type="datetimeFigureOut">
               <a:rPr kumimoji="1" lang="ko-KR" altLang="en-US" smtClean="0"/>
-              <a:t>2019. 4. 1.</a:t>
+              <a:t>2019-04-01</a:t>
             </a:fld>
             <a:endParaRPr kumimoji="1" lang="ko-KR" altLang="en-US"/>
           </a:p>
@@ -3088,7 +3088,7 @@
           <a:p>
             <a:fld id="{71949CBA-15A4-304E-AB92-D807D10DD6E4}" type="datetimeFigureOut">
               <a:rPr kumimoji="1" lang="ko-KR" altLang="en-US" smtClean="0"/>
-              <a:t>2019. 4. 1.</a:t>
+              <a:t>2019-04-01</a:t>
             </a:fld>
             <a:endParaRPr kumimoji="1" lang="ko-KR" altLang="en-US"/>
           </a:p>
@@ -3277,7 +3277,7 @@
           <a:p>
             <a:fld id="{71949CBA-15A4-304E-AB92-D807D10DD6E4}" type="datetimeFigureOut">
               <a:rPr kumimoji="1" lang="ko-KR" altLang="en-US" smtClean="0"/>
-              <a:t>2019. 4. 1.</a:t>
+              <a:t>2019-04-01</a:t>
             </a:fld>
             <a:endParaRPr kumimoji="1" lang="ko-KR" altLang="en-US"/>
           </a:p>
@@ -3974,6 +3974,66 @@
           </a:p>
         </p:txBody>
       </p:sp>
+      <p:pic>
+        <p:nvPicPr>
+          <p:cNvPr id="2" name="그림 1">
+            <a:extLst>
+              <a:ext uri="{FF2B5EF4-FFF2-40B4-BE49-F238E27FC236}">
+                <a16:creationId xmlns:a16="http://schemas.microsoft.com/office/drawing/2014/main" id="{A4F33E0C-1D73-4255-91EC-E2E3356B5C81}"/>
+              </a:ext>
+            </a:extLst>
+          </p:cNvPr>
+          <p:cNvPicPr>
+            <a:picLocks noChangeAspect="1"/>
+          </p:cNvPicPr>
+          <p:nvPr/>
+        </p:nvPicPr>
+        <p:blipFill>
+          <a:blip r:embed="rId2"/>
+          <a:stretch>
+            <a:fillRect/>
+          </a:stretch>
+        </p:blipFill>
+        <p:spPr>
+          <a:xfrm>
+            <a:off x="1505583" y="1875144"/>
+            <a:ext cx="5305352" cy="4310277"/>
+          </a:xfrm>
+          <a:prstGeom prst="rect">
+            <a:avLst/>
+          </a:prstGeom>
+        </p:spPr>
+      </p:pic>
+      <p:pic>
+        <p:nvPicPr>
+          <p:cNvPr id="4" name="그림 3">
+            <a:extLst>
+              <a:ext uri="{FF2B5EF4-FFF2-40B4-BE49-F238E27FC236}">
+                <a16:creationId xmlns:a16="http://schemas.microsoft.com/office/drawing/2014/main" id="{FC44E05E-47AC-4766-A494-EBA08C89EDC5}"/>
+              </a:ext>
+            </a:extLst>
+          </p:cNvPr>
+          <p:cNvPicPr>
+            <a:picLocks noChangeAspect="1"/>
+          </p:cNvPicPr>
+          <p:nvPr/>
+        </p:nvPicPr>
+        <p:blipFill>
+          <a:blip r:embed="rId3"/>
+          <a:stretch>
+            <a:fillRect/>
+          </a:stretch>
+        </p:blipFill>
+        <p:spPr>
+          <a:xfrm>
+            <a:off x="7417806" y="1253331"/>
+            <a:ext cx="2116158" cy="5176378"/>
+          </a:xfrm>
+          <a:prstGeom prst="rect">
+            <a:avLst/>
+          </a:prstGeom>
+        </p:spPr>
+      </p:pic>
     </p:spTree>
     <p:extLst>
       <p:ext uri="{BB962C8B-B14F-4D97-AF65-F5344CB8AC3E}">

--- a/2. 김종욱 교수님 미팅 준비 자료/Subjects.pptx
+++ b/2. 김종욱 교수님 미팅 준비 자료/Subjects.pptx
@@ -5,7 +5,7 @@
     <p:sldMasterId id="2147483672" r:id="rId1"/>
   </p:sldMasterIdLst>
   <p:notesMasterIdLst>
-    <p:notesMasterId r:id="rId13"/>
+    <p:notesMasterId r:id="rId15"/>
   </p:notesMasterIdLst>
   <p:sldIdLst>
     <p:sldId id="256" r:id="rId2"/>
@@ -14,11 +14,13 @@
     <p:sldId id="258" r:id="rId5"/>
     <p:sldId id="260" r:id="rId6"/>
     <p:sldId id="261" r:id="rId7"/>
-    <p:sldId id="262" r:id="rId8"/>
+    <p:sldId id="268" r:id="rId8"/>
     <p:sldId id="263" r:id="rId9"/>
     <p:sldId id="264" r:id="rId10"/>
     <p:sldId id="265" r:id="rId11"/>
     <p:sldId id="266" r:id="rId12"/>
+    <p:sldId id="262" r:id="rId13"/>
+    <p:sldId id="267" r:id="rId14"/>
   </p:sldIdLst>
   <p:sldSz cx="12192000" cy="6858000"/>
   <p:notesSz cx="6858000" cy="9144000"/>
@@ -210,7 +212,7 @@
           <a:p>
             <a:fld id="{D4A17F13-CEB1-AC42-B69B-F45AB2CFDA0E}" type="datetimeFigureOut">
               <a:rPr kumimoji="1" lang="ko-KR" altLang="en-US" smtClean="0"/>
-              <a:t>2019-04-01</a:t>
+              <a:t>2019-04-02</a:t>
             </a:fld>
             <a:endParaRPr kumimoji="1" lang="ko-KR" altLang="en-US"/>
           </a:p>
@@ -583,7 +585,34 @@
           <a:bodyPr/>
           <a:lstStyle/>
           <a:p>
-            <a:endParaRPr kumimoji="1" lang="ko-KR" altLang="en-US" dirty="0"/>
+            <a:r>
+              <a:rPr lang="ko-KR" altLang="en-US" dirty="0"/>
+              <a:t>각 픽셀 별 </a:t>
+            </a:r>
+            <a:r>
+              <a:rPr lang="en-US" altLang="ko-KR" dirty="0"/>
+              <a:t>RGB </a:t>
+            </a:r>
+            <a:r>
+              <a:rPr lang="ko-KR" altLang="en-US" dirty="0"/>
+              <a:t>값에 대한 정보를 </a:t>
+            </a:r>
+            <a:r>
+              <a:rPr lang="en-US" altLang="ko-KR" dirty="0"/>
+              <a:t>csv </a:t>
+            </a:r>
+            <a:r>
+              <a:rPr lang="ko-KR" altLang="en-US" dirty="0"/>
+              <a:t>파일로 기록</a:t>
+            </a:r>
+            <a:r>
+              <a:rPr lang="en-US" altLang="ko-KR" dirty="0"/>
+              <a:t>, </a:t>
+            </a:r>
+            <a:r>
+              <a:rPr lang="ko-KR" altLang="en-US" dirty="0"/>
+              <a:t>파일을 연속적으로 읽어 들이는 부분 추가 필요함</a:t>
+            </a:r>
           </a:p>
         </p:txBody>
       </p:sp>
@@ -604,7 +633,7 @@
           <a:p>
             <a:fld id="{8B953136-AA23-ED42-B8A7-58504F0148BF}" type="slidenum">
               <a:rPr kumimoji="1" lang="ko-KR" altLang="en-US" smtClean="0"/>
-              <a:t>7</a:t>
+              <a:t>9</a:t>
             </a:fld>
             <a:endParaRPr kumimoji="1" lang="ko-KR" altLang="en-US"/>
           </a:p>
@@ -613,7 +642,7 @@
     </p:spTree>
     <p:extLst>
       <p:ext uri="{BB962C8B-B14F-4D97-AF65-F5344CB8AC3E}">
-        <p14:creationId xmlns:p14="http://schemas.microsoft.com/office/powerpoint/2010/main" val="3358142834"/>
+        <p14:creationId xmlns:p14="http://schemas.microsoft.com/office/powerpoint/2010/main" val="4231094621"/>
       </p:ext>
     </p:extLst>
   </p:cSld>
@@ -667,34 +696,7 @@
           <a:bodyPr/>
           <a:lstStyle/>
           <a:p>
-            <a:r>
-              <a:rPr lang="ko-KR" altLang="en-US" dirty="0"/>
-              <a:t>각 픽셀 별 </a:t>
-            </a:r>
-            <a:r>
-              <a:rPr lang="en-US" altLang="ko-KR" dirty="0"/>
-              <a:t>RGB </a:t>
-            </a:r>
-            <a:r>
-              <a:rPr lang="ko-KR" altLang="en-US" dirty="0"/>
-              <a:t>값에 대한 정보를 </a:t>
-            </a:r>
-            <a:r>
-              <a:rPr lang="en-US" altLang="ko-KR" dirty="0"/>
-              <a:t>csv </a:t>
-            </a:r>
-            <a:r>
-              <a:rPr lang="ko-KR" altLang="en-US" dirty="0"/>
-              <a:t>파일로 기록</a:t>
-            </a:r>
-            <a:r>
-              <a:rPr lang="en-US" altLang="ko-KR" dirty="0"/>
-              <a:t>, </a:t>
-            </a:r>
-            <a:r>
-              <a:rPr lang="ko-KR" altLang="en-US" dirty="0"/>
-              <a:t>파일을 연속적으로 읽어 들이는 부분 추가 필요함</a:t>
-            </a:r>
+            <a:endParaRPr kumimoji="1" lang="ko-KR" altLang="en-US" dirty="0"/>
           </a:p>
         </p:txBody>
       </p:sp>
@@ -715,7 +717,7 @@
           <a:p>
             <a:fld id="{8B953136-AA23-ED42-B8A7-58504F0148BF}" type="slidenum">
               <a:rPr kumimoji="1" lang="ko-KR" altLang="en-US" smtClean="0"/>
-              <a:t>9</a:t>
+              <a:t>12</a:t>
             </a:fld>
             <a:endParaRPr kumimoji="1" lang="ko-KR" altLang="en-US"/>
           </a:p>
@@ -724,7 +726,7 @@
     </p:spTree>
     <p:extLst>
       <p:ext uri="{BB962C8B-B14F-4D97-AF65-F5344CB8AC3E}">
-        <p14:creationId xmlns:p14="http://schemas.microsoft.com/office/powerpoint/2010/main" val="4231094621"/>
+        <p14:creationId xmlns:p14="http://schemas.microsoft.com/office/powerpoint/2010/main" val="3358142834"/>
       </p:ext>
     </p:extLst>
   </p:cSld>
@@ -871,7 +873,7 @@
           <a:p>
             <a:fld id="{71949CBA-15A4-304E-AB92-D807D10DD6E4}" type="datetimeFigureOut">
               <a:rPr kumimoji="1" lang="ko-KR" altLang="en-US" smtClean="0"/>
-              <a:t>2019-04-01</a:t>
+              <a:t>2019-04-02</a:t>
             </a:fld>
             <a:endParaRPr kumimoji="1" lang="ko-KR" altLang="en-US"/>
           </a:p>
@@ -1189,7 +1191,7 @@
           <a:p>
             <a:fld id="{71949CBA-15A4-304E-AB92-D807D10DD6E4}" type="datetimeFigureOut">
               <a:rPr kumimoji="1" lang="ko-KR" altLang="en-US" smtClean="0"/>
-              <a:t>2019-04-01</a:t>
+              <a:t>2019-04-02</a:t>
             </a:fld>
             <a:endParaRPr kumimoji="1" lang="ko-KR" altLang="en-US"/>
           </a:p>
@@ -1345,7 +1347,7 @@
           <a:p>
             <a:fld id="{71949CBA-15A4-304E-AB92-D807D10DD6E4}" type="datetimeFigureOut">
               <a:rPr kumimoji="1" lang="ko-KR" altLang="en-US" smtClean="0"/>
-              <a:t>2019-04-01</a:t>
+              <a:t>2019-04-02</a:t>
             </a:fld>
             <a:endParaRPr kumimoji="1" lang="ko-KR" altLang="en-US"/>
           </a:p>
@@ -1505,7 +1507,7 @@
           <a:p>
             <a:fld id="{71949CBA-15A4-304E-AB92-D807D10DD6E4}" type="datetimeFigureOut">
               <a:rPr kumimoji="1" lang="ko-KR" altLang="en-US" smtClean="0"/>
-              <a:t>2019-04-01</a:t>
+              <a:t>2019-04-02</a:t>
             </a:fld>
             <a:endParaRPr kumimoji="1" lang="ko-KR" altLang="en-US"/>
           </a:p>
@@ -1842,7 +1844,7 @@
           <a:p>
             <a:fld id="{71949CBA-15A4-304E-AB92-D807D10DD6E4}" type="datetimeFigureOut">
               <a:rPr kumimoji="1" lang="ko-KR" altLang="en-US" smtClean="0"/>
-              <a:t>2019-04-01</a:t>
+              <a:t>2019-04-02</a:t>
             </a:fld>
             <a:endParaRPr kumimoji="1" lang="ko-KR" altLang="en-US"/>
           </a:p>
@@ -2026,7 +2028,7 @@
           <a:p>
             <a:fld id="{71949CBA-15A4-304E-AB92-D807D10DD6E4}" type="datetimeFigureOut">
               <a:rPr kumimoji="1" lang="ko-KR" altLang="en-US" smtClean="0"/>
-              <a:t>2019-04-01</a:t>
+              <a:t>2019-04-02</a:t>
             </a:fld>
             <a:endParaRPr kumimoji="1" lang="ko-KR" altLang="en-US"/>
           </a:p>
@@ -2355,7 +2357,7 @@
           <a:p>
             <a:fld id="{71949CBA-15A4-304E-AB92-D807D10DD6E4}" type="datetimeFigureOut">
               <a:rPr kumimoji="1" lang="ko-KR" altLang="en-US" smtClean="0"/>
-              <a:t>2019-04-01</a:t>
+              <a:t>2019-04-02</a:t>
             </a:fld>
             <a:endParaRPr kumimoji="1" lang="ko-KR" altLang="en-US"/>
           </a:p>
@@ -2473,7 +2475,7 @@
           <a:p>
             <a:fld id="{71949CBA-15A4-304E-AB92-D807D10DD6E4}" type="datetimeFigureOut">
               <a:rPr kumimoji="1" lang="ko-KR" altLang="en-US" smtClean="0"/>
-              <a:t>2019-04-01</a:t>
+              <a:t>2019-04-02</a:t>
             </a:fld>
             <a:endParaRPr kumimoji="1" lang="ko-KR" altLang="en-US"/>
           </a:p>
@@ -2568,7 +2570,7 @@
           <a:p>
             <a:fld id="{71949CBA-15A4-304E-AB92-D807D10DD6E4}" type="datetimeFigureOut">
               <a:rPr kumimoji="1" lang="ko-KR" altLang="en-US" smtClean="0"/>
-              <a:t>2019-04-01</a:t>
+              <a:t>2019-04-02</a:t>
             </a:fld>
             <a:endParaRPr kumimoji="1" lang="ko-KR" altLang="en-US"/>
           </a:p>
@@ -2826,7 +2828,7 @@
           <a:p>
             <a:fld id="{71949CBA-15A4-304E-AB92-D807D10DD6E4}" type="datetimeFigureOut">
               <a:rPr kumimoji="1" lang="ko-KR" altLang="en-US" smtClean="0"/>
-              <a:t>2019-04-01</a:t>
+              <a:t>2019-04-02</a:t>
             </a:fld>
             <a:endParaRPr kumimoji="1" lang="ko-KR" altLang="en-US"/>
           </a:p>
@@ -3088,7 +3090,7 @@
           <a:p>
             <a:fld id="{71949CBA-15A4-304E-AB92-D807D10DD6E4}" type="datetimeFigureOut">
               <a:rPr kumimoji="1" lang="ko-KR" altLang="en-US" smtClean="0"/>
-              <a:t>2019-04-01</a:t>
+              <a:t>2019-04-02</a:t>
             </a:fld>
             <a:endParaRPr kumimoji="1" lang="ko-KR" altLang="en-US"/>
           </a:p>
@@ -3277,7 +3279,7 @@
           <a:p>
             <a:fld id="{71949CBA-15A4-304E-AB92-D807D10DD6E4}" type="datetimeFigureOut">
               <a:rPr kumimoji="1" lang="ko-KR" altLang="en-US" smtClean="0"/>
-              <a:t>2019-04-01</a:t>
+              <a:t>2019-04-02</a:t>
             </a:fld>
             <a:endParaRPr kumimoji="1" lang="ko-KR" altLang="en-US"/>
           </a:p>
@@ -3996,38 +3998,8 @@
         </p:blipFill>
         <p:spPr>
           <a:xfrm>
-            <a:off x="1505583" y="1875144"/>
-            <a:ext cx="5305352" cy="4310277"/>
-          </a:xfrm>
-          <a:prstGeom prst="rect">
-            <a:avLst/>
-          </a:prstGeom>
-        </p:spPr>
-      </p:pic>
-      <p:pic>
-        <p:nvPicPr>
-          <p:cNvPr id="4" name="그림 3">
-            <a:extLst>
-              <a:ext uri="{FF2B5EF4-FFF2-40B4-BE49-F238E27FC236}">
-                <a16:creationId xmlns:a16="http://schemas.microsoft.com/office/drawing/2014/main" id="{FC44E05E-47AC-4766-A494-EBA08C89EDC5}"/>
-              </a:ext>
-            </a:extLst>
-          </p:cNvPr>
-          <p:cNvPicPr>
-            <a:picLocks noChangeAspect="1"/>
-          </p:cNvPicPr>
-          <p:nvPr/>
-        </p:nvPicPr>
-        <p:blipFill>
-          <a:blip r:embed="rId3"/>
-          <a:stretch>
-            <a:fillRect/>
-          </a:stretch>
-        </p:blipFill>
-        <p:spPr>
-          <a:xfrm>
-            <a:off x="7417806" y="1253331"/>
-            <a:ext cx="2116158" cy="5176378"/>
+            <a:off x="3418053" y="1875144"/>
+            <a:ext cx="5355893" cy="4351338"/>
           </a:xfrm>
           <a:prstGeom prst="rect">
             <a:avLst/>
@@ -4066,31 +4038,6 @@
       </p:grpSpPr>
       <p:sp>
         <p:nvSpPr>
-          <p:cNvPr id="2" name="제목 1">
-            <a:extLst>
-              <a:ext uri="{FF2B5EF4-FFF2-40B4-BE49-F238E27FC236}">
-                <a16:creationId xmlns:a16="http://schemas.microsoft.com/office/drawing/2014/main" id="{F71F62BB-9590-47EE-BBDB-417BC0BF324C}"/>
-              </a:ext>
-            </a:extLst>
-          </p:cNvPr>
-          <p:cNvSpPr>
-            <a:spLocks noGrp="1"/>
-          </p:cNvSpPr>
-          <p:nvPr>
-            <p:ph type="title"/>
-          </p:nvPr>
-        </p:nvSpPr>
-        <p:spPr/>
-        <p:txBody>
-          <a:bodyPr/>
-          <a:lstStyle/>
-          <a:p>
-            <a:endParaRPr lang="ko-KR" altLang="en-US"/>
-          </a:p>
-        </p:txBody>
-      </p:sp>
-      <p:sp>
-        <p:nvSpPr>
           <p:cNvPr id="3" name="내용 개체 틀 2">
             <a:extLst>
               <a:ext uri="{FF2B5EF4-FFF2-40B4-BE49-F238E27FC236}">
@@ -4112,13 +4059,51 @@
           <a:p>
             <a:r>
               <a:rPr lang="ko-KR" altLang="en-US" dirty="0"/>
-              <a:t>위와 같은 방법으로 데이터에 재가공을 할 수 있음</a:t>
+              <a:t>감정</a:t>
             </a:r>
             <a:r>
               <a:rPr lang="en-US" altLang="ko-KR" dirty="0"/>
-              <a:t>!</a:t>
-            </a:r>
-            <a:endParaRPr lang="ko-KR" altLang="en-US" dirty="0"/>
+              <a:t>(?) </a:t>
+            </a:r>
+            <a:r>
+              <a:rPr lang="ko-KR" altLang="en-US" dirty="0"/>
+              <a:t>표현을 </a:t>
+            </a:r>
+            <a:r>
+              <a:rPr lang="ko-KR" altLang="en-US" dirty="0" err="1"/>
+              <a:t>다듬어야함</a:t>
+            </a:r>
+            <a:endParaRPr lang="en-US" altLang="ko-KR" dirty="0"/>
+          </a:p>
+          <a:p>
+            <a:r>
+              <a:rPr lang="ko-KR" altLang="en-US" dirty="0"/>
+              <a:t>감정 </a:t>
+            </a:r>
+            <a:r>
+              <a:rPr lang="ko-KR" altLang="en-US" dirty="0" err="1"/>
+              <a:t>재라벨링</a:t>
+            </a:r>
+            <a:r>
+              <a:rPr lang="ko-KR" altLang="en-US" dirty="0"/>
+              <a:t> </a:t>
+            </a:r>
+            <a:r>
+              <a:rPr lang="en-US" altLang="ko-KR" dirty="0"/>
+              <a:t>0:</a:t>
+            </a:r>
+            <a:r>
+              <a:rPr lang="ko-KR" altLang="en-US" dirty="0"/>
+              <a:t>위협</a:t>
+            </a:r>
+            <a:r>
+              <a:rPr lang="en-US" altLang="ko-KR" dirty="0"/>
+              <a:t>, 1:</a:t>
+            </a:r>
+            <a:r>
+              <a:rPr lang="ko-KR" altLang="en-US" dirty="0"/>
+              <a:t>안정</a:t>
+            </a:r>
           </a:p>
         </p:txBody>
       </p:sp>
@@ -4126,6 +4111,1300 @@
     <p:extLst>
       <p:ext uri="{BB962C8B-B14F-4D97-AF65-F5344CB8AC3E}">
         <p14:creationId xmlns:p14="http://schemas.microsoft.com/office/powerpoint/2010/main" val="2757206035"/>
+      </p:ext>
+    </p:extLst>
+  </p:cSld>
+  <p:clrMapOvr>
+    <a:masterClrMapping/>
+  </p:clrMapOvr>
+</p:sld>
+</file>
+
+<file path=ppt/slides/slide12.xml><?xml version="1.0" encoding="utf-8"?>
+<p:sld xmlns:a="http://schemas.openxmlformats.org/drawingml/2006/main" xmlns:r="http://schemas.openxmlformats.org/officeDocument/2006/relationships" xmlns:p="http://schemas.openxmlformats.org/presentationml/2006/main">
+  <p:cSld>
+    <p:spTree>
+      <p:nvGrpSpPr>
+        <p:cNvPr id="1" name=""/>
+        <p:cNvGrpSpPr/>
+        <p:nvPr/>
+      </p:nvGrpSpPr>
+      <p:grpSpPr>
+        <a:xfrm>
+          <a:off x="0" y="0"/>
+          <a:ext cx="0" cy="0"/>
+          <a:chOff x="0" y="0"/>
+          <a:chExt cx="0" cy="0"/>
+        </a:xfrm>
+      </p:grpSpPr>
+      <p:grpSp>
+        <p:nvGrpSpPr>
+          <p:cNvPr id="2" name="그룹 1">
+            <a:extLst>
+              <a:ext uri="{FF2B5EF4-FFF2-40B4-BE49-F238E27FC236}">
+                <a16:creationId xmlns:a16="http://schemas.microsoft.com/office/drawing/2014/main" id="{A0A6CBCD-54E5-4D20-8B10-05702F558129}"/>
+              </a:ext>
+            </a:extLst>
+          </p:cNvPr>
+          <p:cNvGrpSpPr/>
+          <p:nvPr/>
+        </p:nvGrpSpPr>
+        <p:grpSpPr>
+          <a:xfrm>
+            <a:off x="2014818" y="1398494"/>
+            <a:ext cx="8162364" cy="4827873"/>
+            <a:chOff x="968189" y="592956"/>
+            <a:chExt cx="9495862" cy="5633411"/>
+          </a:xfrm>
+        </p:grpSpPr>
+        <p:sp>
+          <p:nvSpPr>
+            <p:cNvPr id="4" name="직사각형 3">
+              <a:extLst>
+                <a:ext uri="{FF2B5EF4-FFF2-40B4-BE49-F238E27FC236}">
+                  <a16:creationId xmlns:a16="http://schemas.microsoft.com/office/drawing/2014/main" id="{4291C74F-E085-445F-9B3E-A7B707249D55}"/>
+                </a:ext>
+              </a:extLst>
+            </p:cNvPr>
+            <p:cNvSpPr/>
+            <p:nvPr/>
+          </p:nvSpPr>
+          <p:spPr>
+            <a:xfrm>
+              <a:off x="968189" y="2776817"/>
+              <a:ext cx="1425388" cy="1190065"/>
+            </a:xfrm>
+            <a:prstGeom prst="rect">
+              <a:avLst/>
+            </a:prstGeom>
+            <a:solidFill>
+              <a:schemeClr val="bg1"/>
+            </a:solidFill>
+            <a:ln w="38100">
+              <a:solidFill>
+                <a:schemeClr val="tx1"/>
+              </a:solidFill>
+            </a:ln>
+          </p:spPr>
+          <p:style>
+            <a:lnRef idx="2">
+              <a:schemeClr val="accent1">
+                <a:shade val="50000"/>
+              </a:schemeClr>
+            </a:lnRef>
+            <a:fillRef idx="1">
+              <a:schemeClr val="accent1"/>
+            </a:fillRef>
+            <a:effectRef idx="0">
+              <a:schemeClr val="accent1"/>
+            </a:effectRef>
+            <a:fontRef idx="minor">
+              <a:schemeClr val="lt1"/>
+            </a:fontRef>
+          </p:style>
+          <p:txBody>
+            <a:bodyPr rtlCol="0" anchor="ctr"/>
+            <a:lstStyle/>
+            <a:p>
+              <a:pPr algn="ctr"/>
+              <a:r>
+                <a:rPr lang="ko-KR" altLang="en-US" sz="1600" dirty="0"/>
+                <a:t>영화 포스터 </a:t>
+              </a:r>
+              <a:r>
+                <a:rPr lang="en-US" altLang="ko-KR" sz="1600" dirty="0"/>
+                <a:t>training set</a:t>
+              </a:r>
+              <a:endParaRPr lang="ko-KR" altLang="en-US" sz="1600" dirty="0"/>
+            </a:p>
+          </p:txBody>
+        </p:sp>
+        <p:sp>
+          <p:nvSpPr>
+            <p:cNvPr id="5" name="직사각형 4">
+              <a:extLst>
+                <a:ext uri="{FF2B5EF4-FFF2-40B4-BE49-F238E27FC236}">
+                  <a16:creationId xmlns:a16="http://schemas.microsoft.com/office/drawing/2014/main" id="{A33AA842-E763-4BAD-B02E-4E7A64D7F5DA}"/>
+                </a:ext>
+              </a:extLst>
+            </p:cNvPr>
+            <p:cNvSpPr/>
+            <p:nvPr/>
+          </p:nvSpPr>
+          <p:spPr>
+            <a:xfrm>
+              <a:off x="3032312" y="2761411"/>
+              <a:ext cx="2010335" cy="2524022"/>
+            </a:xfrm>
+            <a:prstGeom prst="rect">
+              <a:avLst/>
+            </a:prstGeom>
+            <a:solidFill>
+              <a:schemeClr val="bg1"/>
+            </a:solidFill>
+            <a:ln w="38100">
+              <a:solidFill>
+                <a:schemeClr val="tx1"/>
+              </a:solidFill>
+            </a:ln>
+          </p:spPr>
+          <p:style>
+            <a:lnRef idx="2">
+              <a:schemeClr val="accent1">
+                <a:shade val="50000"/>
+              </a:schemeClr>
+            </a:lnRef>
+            <a:fillRef idx="1">
+              <a:schemeClr val="accent1"/>
+            </a:fillRef>
+            <a:effectRef idx="0">
+              <a:schemeClr val="accent1"/>
+            </a:effectRef>
+            <a:fontRef idx="minor">
+              <a:schemeClr val="lt1"/>
+            </a:fontRef>
+          </p:style>
+          <p:txBody>
+            <a:bodyPr rtlCol="0" anchor="ctr"/>
+            <a:lstStyle/>
+            <a:p>
+              <a:pPr algn="ctr"/>
+              <a:r>
+                <a:rPr lang="ko-KR" altLang="en-US" dirty="0"/>
+                <a:t>장르</a:t>
+              </a:r>
+              <a:r>
+                <a:rPr lang="en-US" altLang="ko-KR" dirty="0"/>
+                <a:t>/</a:t>
+              </a:r>
+              <a:r>
+                <a:rPr lang="ko-KR" altLang="en-US" dirty="0"/>
+                <a:t>감정 유추 </a:t>
+              </a:r>
+              <a:r>
+                <a:rPr lang="en-US" altLang="ko-KR" dirty="0"/>
+                <a:t>Model</a:t>
+              </a:r>
+              <a:endParaRPr lang="ko-KR" altLang="en-US" dirty="0"/>
+            </a:p>
+          </p:txBody>
+        </p:sp>
+        <p:sp>
+          <p:nvSpPr>
+            <p:cNvPr id="6" name="직사각형 5">
+              <a:extLst>
+                <a:ext uri="{FF2B5EF4-FFF2-40B4-BE49-F238E27FC236}">
+                  <a16:creationId xmlns:a16="http://schemas.microsoft.com/office/drawing/2014/main" id="{CB312E1A-FA78-4963-81E2-6376413430E5}"/>
+                </a:ext>
+              </a:extLst>
+            </p:cNvPr>
+            <p:cNvSpPr/>
+            <p:nvPr/>
+          </p:nvSpPr>
+          <p:spPr>
+            <a:xfrm>
+              <a:off x="6035488" y="1337957"/>
+              <a:ext cx="2010335" cy="2628926"/>
+            </a:xfrm>
+            <a:prstGeom prst="rect">
+              <a:avLst/>
+            </a:prstGeom>
+            <a:solidFill>
+              <a:schemeClr val="bg1"/>
+            </a:solidFill>
+            <a:ln w="38100">
+              <a:solidFill>
+                <a:schemeClr val="tx1"/>
+              </a:solidFill>
+            </a:ln>
+          </p:spPr>
+          <p:style>
+            <a:lnRef idx="2">
+              <a:schemeClr val="accent1">
+                <a:shade val="50000"/>
+              </a:schemeClr>
+            </a:lnRef>
+            <a:fillRef idx="1">
+              <a:schemeClr val="accent1"/>
+            </a:fillRef>
+            <a:effectRef idx="0">
+              <a:schemeClr val="accent1"/>
+            </a:effectRef>
+            <a:fontRef idx="minor">
+              <a:schemeClr val="lt1"/>
+            </a:fontRef>
+          </p:style>
+          <p:txBody>
+            <a:bodyPr rtlCol="0" anchor="ctr"/>
+            <a:lstStyle/>
+            <a:p>
+              <a:pPr algn="ctr"/>
+              <a:r>
+                <a:rPr lang="ko-KR" altLang="en-US" dirty="0"/>
+                <a:t>색 판별</a:t>
+              </a:r>
+              <a:endParaRPr lang="en-US" altLang="ko-KR" dirty="0"/>
+            </a:p>
+            <a:p>
+              <a:pPr algn="ctr"/>
+              <a:r>
+                <a:rPr lang="en-US" altLang="ko-KR" dirty="0"/>
+                <a:t>Model</a:t>
+              </a:r>
+              <a:endParaRPr lang="ko-KR" altLang="en-US" dirty="0"/>
+            </a:p>
+          </p:txBody>
+        </p:sp>
+        <p:sp>
+          <p:nvSpPr>
+            <p:cNvPr id="7" name="직사각형 6">
+              <a:extLst>
+                <a:ext uri="{FF2B5EF4-FFF2-40B4-BE49-F238E27FC236}">
+                  <a16:creationId xmlns:a16="http://schemas.microsoft.com/office/drawing/2014/main" id="{7098BEDF-6470-42EB-85F1-C0C6A22DDA26}"/>
+                </a:ext>
+              </a:extLst>
+            </p:cNvPr>
+            <p:cNvSpPr/>
+            <p:nvPr/>
+          </p:nvSpPr>
+          <p:spPr>
+            <a:xfrm>
+              <a:off x="9038663" y="3285224"/>
+              <a:ext cx="1425388" cy="1190065"/>
+            </a:xfrm>
+            <a:prstGeom prst="rect">
+              <a:avLst/>
+            </a:prstGeom>
+            <a:solidFill>
+              <a:schemeClr val="bg1"/>
+            </a:solidFill>
+            <a:ln w="38100">
+              <a:solidFill>
+                <a:srgbClr val="FF0000"/>
+              </a:solidFill>
+            </a:ln>
+          </p:spPr>
+          <p:style>
+            <a:lnRef idx="2">
+              <a:schemeClr val="accent1">
+                <a:shade val="50000"/>
+              </a:schemeClr>
+            </a:lnRef>
+            <a:fillRef idx="1">
+              <a:schemeClr val="accent1"/>
+            </a:fillRef>
+            <a:effectRef idx="0">
+              <a:schemeClr val="accent1"/>
+            </a:effectRef>
+            <a:fontRef idx="minor">
+              <a:schemeClr val="lt1"/>
+            </a:fontRef>
+          </p:style>
+          <p:txBody>
+            <a:bodyPr rtlCol="0" anchor="ctr"/>
+            <a:lstStyle/>
+            <a:p>
+              <a:pPr algn="ctr"/>
+              <a:r>
+                <a:rPr lang="ko-KR" altLang="en-US"/>
+                <a:t>최종</a:t>
+              </a:r>
+              <a:endParaRPr lang="en-US" altLang="ko-KR" dirty="0"/>
+            </a:p>
+            <a:p>
+              <a:pPr algn="ctr"/>
+              <a:r>
+                <a:rPr lang="en-US" altLang="ko-KR" dirty="0"/>
+                <a:t>output</a:t>
+              </a:r>
+              <a:endParaRPr lang="ko-KR" altLang="en-US" dirty="0"/>
+            </a:p>
+          </p:txBody>
+        </p:sp>
+        <p:cxnSp>
+          <p:nvCxnSpPr>
+            <p:cNvPr id="9" name="직선 화살표 연결선 8">
+              <a:extLst>
+                <a:ext uri="{FF2B5EF4-FFF2-40B4-BE49-F238E27FC236}">
+                  <a16:creationId xmlns:a16="http://schemas.microsoft.com/office/drawing/2014/main" id="{6873212F-3BBB-4EF5-969D-13CDA9B03A24}"/>
+                </a:ext>
+              </a:extLst>
+            </p:cNvPr>
+            <p:cNvCxnSpPr/>
+            <p:nvPr/>
+          </p:nvCxnSpPr>
+          <p:spPr>
+            <a:xfrm>
+              <a:off x="2393577" y="3012141"/>
+              <a:ext cx="638735" cy="0"/>
+            </a:xfrm>
+            <a:prstGeom prst="straightConnector1">
+              <a:avLst/>
+            </a:prstGeom>
+            <a:ln w="38100">
+              <a:solidFill>
+                <a:schemeClr val="tx1"/>
+              </a:solidFill>
+              <a:tailEnd type="triangle"/>
+            </a:ln>
+          </p:spPr>
+          <p:style>
+            <a:lnRef idx="1">
+              <a:schemeClr val="accent1"/>
+            </a:lnRef>
+            <a:fillRef idx="0">
+              <a:schemeClr val="accent1"/>
+            </a:fillRef>
+            <a:effectRef idx="0">
+              <a:schemeClr val="accent1"/>
+            </a:effectRef>
+            <a:fontRef idx="minor">
+              <a:schemeClr val="tx1"/>
+            </a:fontRef>
+          </p:style>
+        </p:cxnSp>
+        <p:sp>
+          <p:nvSpPr>
+            <p:cNvPr id="12" name="직사각형 11">
+              <a:extLst>
+                <a:ext uri="{FF2B5EF4-FFF2-40B4-BE49-F238E27FC236}">
+                  <a16:creationId xmlns:a16="http://schemas.microsoft.com/office/drawing/2014/main" id="{93A035E2-FEA4-4EC1-A640-C7DDE3B07451}"/>
+                </a:ext>
+              </a:extLst>
+            </p:cNvPr>
+            <p:cNvSpPr/>
+            <p:nvPr/>
+          </p:nvSpPr>
+          <p:spPr>
+            <a:xfrm>
+              <a:off x="3617259" y="1302097"/>
+              <a:ext cx="1425388" cy="1190065"/>
+            </a:xfrm>
+            <a:prstGeom prst="rect">
+              <a:avLst/>
+            </a:prstGeom>
+            <a:solidFill>
+              <a:schemeClr val="bg1"/>
+            </a:solidFill>
+            <a:ln w="38100">
+              <a:solidFill>
+                <a:schemeClr val="tx1"/>
+              </a:solidFill>
+            </a:ln>
+          </p:spPr>
+          <p:style>
+            <a:lnRef idx="2">
+              <a:schemeClr val="accent1">
+                <a:shade val="50000"/>
+              </a:schemeClr>
+            </a:lnRef>
+            <a:fillRef idx="1">
+              <a:schemeClr val="accent1"/>
+            </a:fillRef>
+            <a:effectRef idx="0">
+              <a:schemeClr val="accent1"/>
+            </a:effectRef>
+            <a:fontRef idx="minor">
+              <a:schemeClr val="lt1"/>
+            </a:fontRef>
+          </p:style>
+          <p:txBody>
+            <a:bodyPr rtlCol="0" anchor="ctr"/>
+            <a:lstStyle/>
+            <a:p>
+              <a:pPr algn="ctr"/>
+              <a:r>
+                <a:rPr lang="ko-KR" altLang="en-US" dirty="0"/>
+                <a:t>색 판별 </a:t>
+              </a:r>
+              <a:r>
+                <a:rPr lang="en-US" altLang="ko-KR" dirty="0"/>
+                <a:t>training set</a:t>
+              </a:r>
+            </a:p>
+          </p:txBody>
+        </p:sp>
+        <p:cxnSp>
+          <p:nvCxnSpPr>
+            <p:cNvPr id="14" name="연결선: 꺾임 13">
+              <a:extLst>
+                <a:ext uri="{FF2B5EF4-FFF2-40B4-BE49-F238E27FC236}">
+                  <a16:creationId xmlns:a16="http://schemas.microsoft.com/office/drawing/2014/main" id="{C1F7542D-DC0B-46F9-BDA1-2966391EB0C7}"/>
+                </a:ext>
+              </a:extLst>
+            </p:cNvPr>
+            <p:cNvCxnSpPr>
+              <a:stCxn id="4" idx="0"/>
+              <a:endCxn id="12" idx="1"/>
+            </p:cNvCxnSpPr>
+            <p:nvPr/>
+          </p:nvCxnSpPr>
+          <p:spPr>
+            <a:xfrm rot="5400000" flipH="1" flipV="1">
+              <a:off x="2209228" y="1368786"/>
+              <a:ext cx="879687" cy="1936376"/>
+            </a:xfrm>
+            <a:prstGeom prst="bentConnector2">
+              <a:avLst/>
+            </a:prstGeom>
+            <a:ln w="38100">
+              <a:solidFill>
+                <a:schemeClr val="tx1"/>
+              </a:solidFill>
+              <a:tailEnd type="triangle"/>
+            </a:ln>
+          </p:spPr>
+          <p:style>
+            <a:lnRef idx="1">
+              <a:schemeClr val="accent1"/>
+            </a:lnRef>
+            <a:fillRef idx="0">
+              <a:schemeClr val="accent1"/>
+            </a:fillRef>
+            <a:effectRef idx="0">
+              <a:schemeClr val="accent1"/>
+            </a:effectRef>
+            <a:fontRef idx="minor">
+              <a:schemeClr val="tx1"/>
+            </a:fontRef>
+          </p:style>
+        </p:cxnSp>
+        <p:sp>
+          <p:nvSpPr>
+            <p:cNvPr id="15" name="TextBox 14">
+              <a:extLst>
+                <a:ext uri="{FF2B5EF4-FFF2-40B4-BE49-F238E27FC236}">
+                  <a16:creationId xmlns:a16="http://schemas.microsoft.com/office/drawing/2014/main" id="{6D2E4567-7B75-4F94-A8DE-05D31D3AF007}"/>
+                </a:ext>
+              </a:extLst>
+            </p:cNvPr>
+            <p:cNvSpPr txBox="1"/>
+            <p:nvPr/>
+          </p:nvSpPr>
+          <p:spPr>
+            <a:xfrm>
+              <a:off x="1716517" y="1594980"/>
+              <a:ext cx="1760828" cy="323217"/>
+            </a:xfrm>
+            <a:prstGeom prst="rect">
+              <a:avLst/>
+            </a:prstGeom>
+            <a:noFill/>
+          </p:spPr>
+          <p:txBody>
+            <a:bodyPr wrap="none" rtlCol="0">
+              <a:spAutoFit/>
+            </a:bodyPr>
+            <a:lstStyle/>
+            <a:p>
+              <a:r>
+                <a:rPr lang="ko-KR" altLang="en-US" sz="1200"/>
+                <a:t>코드를 통한 </a:t>
+              </a:r>
+              <a:r>
+                <a:rPr lang="en-US" altLang="ko-KR" sz="1200" dirty="0"/>
+                <a:t>labeling</a:t>
+              </a:r>
+              <a:endParaRPr lang="ko-KR" altLang="en-US" sz="1200" dirty="0"/>
+            </a:p>
+          </p:txBody>
+        </p:sp>
+        <p:cxnSp>
+          <p:nvCxnSpPr>
+            <p:cNvPr id="16" name="직선 화살표 연결선 15">
+              <a:extLst>
+                <a:ext uri="{FF2B5EF4-FFF2-40B4-BE49-F238E27FC236}">
+                  <a16:creationId xmlns:a16="http://schemas.microsoft.com/office/drawing/2014/main" id="{2BC006CA-CFFA-48BC-A437-F5532BA283B9}"/>
+                </a:ext>
+              </a:extLst>
+            </p:cNvPr>
+            <p:cNvCxnSpPr>
+              <a:cxnSpLocks/>
+            </p:cNvCxnSpPr>
+            <p:nvPr/>
+          </p:nvCxnSpPr>
+          <p:spPr>
+            <a:xfrm>
+              <a:off x="5042647" y="1572568"/>
+              <a:ext cx="992841" cy="0"/>
+            </a:xfrm>
+            <a:prstGeom prst="straightConnector1">
+              <a:avLst/>
+            </a:prstGeom>
+            <a:ln w="38100">
+              <a:solidFill>
+                <a:schemeClr val="tx1"/>
+              </a:solidFill>
+              <a:tailEnd type="triangle"/>
+            </a:ln>
+          </p:spPr>
+          <p:style>
+            <a:lnRef idx="1">
+              <a:schemeClr val="accent1"/>
+            </a:lnRef>
+            <a:fillRef idx="0">
+              <a:schemeClr val="accent1"/>
+            </a:fillRef>
+            <a:effectRef idx="0">
+              <a:schemeClr val="accent1"/>
+            </a:effectRef>
+            <a:fontRef idx="minor">
+              <a:schemeClr val="tx1"/>
+            </a:fontRef>
+          </p:style>
+        </p:cxnSp>
+        <p:cxnSp>
+          <p:nvCxnSpPr>
+            <p:cNvPr id="21" name="연결선: 꺾임 20">
+              <a:extLst>
+                <a:ext uri="{FF2B5EF4-FFF2-40B4-BE49-F238E27FC236}">
+                  <a16:creationId xmlns:a16="http://schemas.microsoft.com/office/drawing/2014/main" id="{34B94699-807A-413F-8082-F98F5FD92E47}"/>
+                </a:ext>
+              </a:extLst>
+            </p:cNvPr>
+            <p:cNvCxnSpPr>
+              <a:cxnSpLocks/>
+              <a:stCxn id="24" idx="0"/>
+              <a:endCxn id="6" idx="0"/>
+            </p:cNvCxnSpPr>
+            <p:nvPr/>
+          </p:nvCxnSpPr>
+          <p:spPr>
+            <a:xfrm rot="16200000" flipV="1">
+              <a:off x="8393041" y="-14427"/>
+              <a:ext cx="5933" cy="2710701"/>
+            </a:xfrm>
+            <a:prstGeom prst="bentConnector3">
+              <a:avLst>
+                <a:gd name="adj1" fmla="val 7806051"/>
+              </a:avLst>
+            </a:prstGeom>
+            <a:ln w="38100">
+              <a:solidFill>
+                <a:schemeClr val="tx1"/>
+              </a:solidFill>
+              <a:tailEnd type="triangle"/>
+            </a:ln>
+          </p:spPr>
+          <p:style>
+            <a:lnRef idx="1">
+              <a:schemeClr val="accent1"/>
+            </a:lnRef>
+            <a:fillRef idx="0">
+              <a:schemeClr val="accent1"/>
+            </a:fillRef>
+            <a:effectRef idx="0">
+              <a:schemeClr val="accent1"/>
+            </a:effectRef>
+            <a:fontRef idx="minor">
+              <a:schemeClr val="tx1"/>
+            </a:fontRef>
+          </p:style>
+        </p:cxnSp>
+        <p:sp>
+          <p:nvSpPr>
+            <p:cNvPr id="23" name="TextBox 22">
+              <a:extLst>
+                <a:ext uri="{FF2B5EF4-FFF2-40B4-BE49-F238E27FC236}">
+                  <a16:creationId xmlns:a16="http://schemas.microsoft.com/office/drawing/2014/main" id="{65CCE90D-3CB1-4AB2-BECF-D59E18EB6D06}"/>
+                </a:ext>
+              </a:extLst>
+            </p:cNvPr>
+            <p:cNvSpPr txBox="1"/>
+            <p:nvPr/>
+          </p:nvSpPr>
+          <p:spPr>
+            <a:xfrm>
+              <a:off x="8149785" y="592956"/>
+              <a:ext cx="492443" cy="276999"/>
+            </a:xfrm>
+            <a:prstGeom prst="rect">
+              <a:avLst/>
+            </a:prstGeom>
+            <a:noFill/>
+          </p:spPr>
+          <p:txBody>
+            <a:bodyPr wrap="none" rtlCol="0">
+              <a:spAutoFit/>
+            </a:bodyPr>
+            <a:lstStyle/>
+            <a:p>
+              <a:r>
+                <a:rPr lang="ko-KR" altLang="en-US" sz="1200" dirty="0"/>
+                <a:t>학습</a:t>
+              </a:r>
+            </a:p>
+          </p:txBody>
+        </p:sp>
+        <p:sp>
+          <p:nvSpPr>
+            <p:cNvPr id="24" name="직사각형 23">
+              <a:extLst>
+                <a:ext uri="{FF2B5EF4-FFF2-40B4-BE49-F238E27FC236}">
+                  <a16:creationId xmlns:a16="http://schemas.microsoft.com/office/drawing/2014/main" id="{7A523C6B-CE32-43C5-B6CE-C8F30E3C3545}"/>
+                </a:ext>
+              </a:extLst>
+            </p:cNvPr>
+            <p:cNvSpPr/>
+            <p:nvPr/>
+          </p:nvSpPr>
+          <p:spPr>
+            <a:xfrm>
+              <a:off x="9038663" y="1343890"/>
+              <a:ext cx="1425388" cy="1190065"/>
+            </a:xfrm>
+            <a:prstGeom prst="rect">
+              <a:avLst/>
+            </a:prstGeom>
+            <a:solidFill>
+              <a:schemeClr val="bg1"/>
+            </a:solidFill>
+            <a:ln w="38100">
+              <a:solidFill>
+                <a:schemeClr val="tx1"/>
+              </a:solidFill>
+            </a:ln>
+          </p:spPr>
+          <p:style>
+            <a:lnRef idx="2">
+              <a:schemeClr val="accent1">
+                <a:shade val="50000"/>
+              </a:schemeClr>
+            </a:lnRef>
+            <a:fillRef idx="1">
+              <a:schemeClr val="accent1"/>
+            </a:fillRef>
+            <a:effectRef idx="0">
+              <a:schemeClr val="accent1"/>
+            </a:effectRef>
+            <a:fontRef idx="minor">
+              <a:schemeClr val="lt1"/>
+            </a:fontRef>
+          </p:style>
+          <p:txBody>
+            <a:bodyPr rtlCol="0" anchor="ctr"/>
+            <a:lstStyle/>
+            <a:p>
+              <a:pPr algn="ctr"/>
+              <a:r>
+                <a:rPr lang="ko-KR" altLang="en-US" dirty="0"/>
+                <a:t>색 판별</a:t>
+              </a:r>
+              <a:endParaRPr lang="en-US" altLang="ko-KR" dirty="0"/>
+            </a:p>
+            <a:p>
+              <a:pPr algn="ctr"/>
+              <a:r>
+                <a:rPr lang="en-US" altLang="ko-KR" dirty="0"/>
+                <a:t>output</a:t>
+              </a:r>
+              <a:endParaRPr lang="ko-KR" altLang="en-US" dirty="0"/>
+            </a:p>
+          </p:txBody>
+        </p:sp>
+        <p:sp>
+          <p:nvSpPr>
+            <p:cNvPr id="28" name="직사각형 27">
+              <a:extLst>
+                <a:ext uri="{FF2B5EF4-FFF2-40B4-BE49-F238E27FC236}">
+                  <a16:creationId xmlns:a16="http://schemas.microsoft.com/office/drawing/2014/main" id="{7AAD1667-26B0-4123-BB34-EB34B04CFE33}"/>
+                </a:ext>
+              </a:extLst>
+            </p:cNvPr>
+            <p:cNvSpPr/>
+            <p:nvPr/>
+          </p:nvSpPr>
+          <p:spPr>
+            <a:xfrm>
+              <a:off x="6035488" y="4329978"/>
+              <a:ext cx="1425388" cy="1190065"/>
+            </a:xfrm>
+            <a:prstGeom prst="rect">
+              <a:avLst/>
+            </a:prstGeom>
+            <a:solidFill>
+              <a:schemeClr val="bg1"/>
+            </a:solidFill>
+            <a:ln w="38100">
+              <a:solidFill>
+                <a:schemeClr val="tx1"/>
+              </a:solidFill>
+            </a:ln>
+          </p:spPr>
+          <p:style>
+            <a:lnRef idx="2">
+              <a:schemeClr val="accent1">
+                <a:shade val="50000"/>
+              </a:schemeClr>
+            </a:lnRef>
+            <a:fillRef idx="1">
+              <a:schemeClr val="accent1"/>
+            </a:fillRef>
+            <a:effectRef idx="0">
+              <a:schemeClr val="accent1"/>
+            </a:effectRef>
+            <a:fontRef idx="minor">
+              <a:schemeClr val="lt1"/>
+            </a:fontRef>
+          </p:style>
+          <p:txBody>
+            <a:bodyPr rtlCol="0" anchor="ctr"/>
+            <a:lstStyle/>
+            <a:p>
+              <a:pPr algn="ctr"/>
+              <a:r>
+                <a:rPr lang="ko-KR" altLang="en-US" dirty="0"/>
+                <a:t>감정 유추</a:t>
+              </a:r>
+              <a:endParaRPr lang="en-US" altLang="ko-KR" dirty="0"/>
+            </a:p>
+            <a:p>
+              <a:pPr algn="ctr"/>
+              <a:r>
+                <a:rPr lang="en-US" altLang="ko-KR" dirty="0"/>
+                <a:t>output</a:t>
+              </a:r>
+              <a:endParaRPr lang="ko-KR" altLang="en-US" dirty="0"/>
+            </a:p>
+          </p:txBody>
+        </p:sp>
+        <p:cxnSp>
+          <p:nvCxnSpPr>
+            <p:cNvPr id="29" name="직선 화살표 연결선 28">
+              <a:extLst>
+                <a:ext uri="{FF2B5EF4-FFF2-40B4-BE49-F238E27FC236}">
+                  <a16:creationId xmlns:a16="http://schemas.microsoft.com/office/drawing/2014/main" id="{AF5ED543-6A1A-4BDB-AFCC-239C28349183}"/>
+                </a:ext>
+              </a:extLst>
+            </p:cNvPr>
+            <p:cNvCxnSpPr>
+              <a:cxnSpLocks/>
+            </p:cNvCxnSpPr>
+            <p:nvPr/>
+          </p:nvCxnSpPr>
+          <p:spPr>
+            <a:xfrm>
+              <a:off x="8045822" y="1523262"/>
+              <a:ext cx="992841" cy="0"/>
+            </a:xfrm>
+            <a:prstGeom prst="straightConnector1">
+              <a:avLst/>
+            </a:prstGeom>
+            <a:ln w="38100">
+              <a:solidFill>
+                <a:schemeClr val="tx1"/>
+              </a:solidFill>
+              <a:tailEnd type="triangle"/>
+            </a:ln>
+          </p:spPr>
+          <p:style>
+            <a:lnRef idx="1">
+              <a:schemeClr val="accent1"/>
+            </a:lnRef>
+            <a:fillRef idx="0">
+              <a:schemeClr val="accent1"/>
+            </a:fillRef>
+            <a:effectRef idx="0">
+              <a:schemeClr val="accent1"/>
+            </a:effectRef>
+            <a:fontRef idx="minor">
+              <a:schemeClr val="tx1"/>
+            </a:fontRef>
+          </p:style>
+        </p:cxnSp>
+        <p:cxnSp>
+          <p:nvCxnSpPr>
+            <p:cNvPr id="30" name="직선 화살표 연결선 29">
+              <a:extLst>
+                <a:ext uri="{FF2B5EF4-FFF2-40B4-BE49-F238E27FC236}">
+                  <a16:creationId xmlns:a16="http://schemas.microsoft.com/office/drawing/2014/main" id="{C626E7DC-A2E2-4894-99BA-6E6FB0C96611}"/>
+                </a:ext>
+              </a:extLst>
+            </p:cNvPr>
+            <p:cNvCxnSpPr>
+              <a:cxnSpLocks/>
+            </p:cNvCxnSpPr>
+            <p:nvPr/>
+          </p:nvCxnSpPr>
+          <p:spPr>
+            <a:xfrm>
+              <a:off x="5042647" y="4915307"/>
+              <a:ext cx="992841" cy="0"/>
+            </a:xfrm>
+            <a:prstGeom prst="straightConnector1">
+              <a:avLst/>
+            </a:prstGeom>
+            <a:ln w="38100">
+              <a:solidFill>
+                <a:schemeClr val="tx1"/>
+              </a:solidFill>
+              <a:tailEnd type="triangle"/>
+            </a:ln>
+          </p:spPr>
+          <p:style>
+            <a:lnRef idx="1">
+              <a:schemeClr val="accent1"/>
+            </a:lnRef>
+            <a:fillRef idx="0">
+              <a:schemeClr val="accent1"/>
+            </a:fillRef>
+            <a:effectRef idx="0">
+              <a:schemeClr val="accent1"/>
+            </a:effectRef>
+            <a:fontRef idx="minor">
+              <a:schemeClr val="tx1"/>
+            </a:fontRef>
+          </p:style>
+        </p:cxnSp>
+        <p:cxnSp>
+          <p:nvCxnSpPr>
+            <p:cNvPr id="32" name="연결선: 꺾임 31">
+              <a:extLst>
+                <a:ext uri="{FF2B5EF4-FFF2-40B4-BE49-F238E27FC236}">
+                  <a16:creationId xmlns:a16="http://schemas.microsoft.com/office/drawing/2014/main" id="{66727FD1-5367-4FA7-8C81-B791D09667C8}"/>
+                </a:ext>
+              </a:extLst>
+            </p:cNvPr>
+            <p:cNvCxnSpPr>
+              <a:stCxn id="28" idx="2"/>
+              <a:endCxn id="5" idx="2"/>
+            </p:cNvCxnSpPr>
+            <p:nvPr/>
+          </p:nvCxnSpPr>
+          <p:spPr>
+            <a:xfrm rot="5400000" flipH="1">
+              <a:off x="5275526" y="4047387"/>
+              <a:ext cx="234610" cy="2710702"/>
+            </a:xfrm>
+            <a:prstGeom prst="bentConnector3">
+              <a:avLst>
+                <a:gd name="adj1" fmla="val -163352"/>
+              </a:avLst>
+            </a:prstGeom>
+            <a:ln w="38100">
+              <a:solidFill>
+                <a:schemeClr val="tx1"/>
+              </a:solidFill>
+              <a:tailEnd type="triangle"/>
+            </a:ln>
+          </p:spPr>
+          <p:style>
+            <a:lnRef idx="1">
+              <a:schemeClr val="accent1"/>
+            </a:lnRef>
+            <a:fillRef idx="0">
+              <a:schemeClr val="accent1"/>
+            </a:fillRef>
+            <a:effectRef idx="0">
+              <a:schemeClr val="accent1"/>
+            </a:effectRef>
+            <a:fontRef idx="minor">
+              <a:schemeClr val="tx1"/>
+            </a:fontRef>
+          </p:style>
+        </p:cxnSp>
+        <p:sp>
+          <p:nvSpPr>
+            <p:cNvPr id="34" name="TextBox 33">
+              <a:extLst>
+                <a:ext uri="{FF2B5EF4-FFF2-40B4-BE49-F238E27FC236}">
+                  <a16:creationId xmlns:a16="http://schemas.microsoft.com/office/drawing/2014/main" id="{52EEFB55-E76A-4E03-8259-E6BF235FCE75}"/>
+                </a:ext>
+              </a:extLst>
+            </p:cNvPr>
+            <p:cNvSpPr txBox="1"/>
+            <p:nvPr/>
+          </p:nvSpPr>
+          <p:spPr>
+            <a:xfrm>
+              <a:off x="5146609" y="5949368"/>
+              <a:ext cx="492443" cy="276999"/>
+            </a:xfrm>
+            <a:prstGeom prst="rect">
+              <a:avLst/>
+            </a:prstGeom>
+            <a:noFill/>
+          </p:spPr>
+          <p:txBody>
+            <a:bodyPr wrap="none" rtlCol="0">
+              <a:spAutoFit/>
+            </a:bodyPr>
+            <a:lstStyle/>
+            <a:p>
+              <a:r>
+                <a:rPr lang="ko-KR" altLang="en-US" sz="1200" dirty="0"/>
+                <a:t>학습</a:t>
+              </a:r>
+            </a:p>
+          </p:txBody>
+        </p:sp>
+        <p:sp>
+          <p:nvSpPr>
+            <p:cNvPr id="35" name="직사각형 34">
+              <a:extLst>
+                <a:ext uri="{FF2B5EF4-FFF2-40B4-BE49-F238E27FC236}">
+                  <a16:creationId xmlns:a16="http://schemas.microsoft.com/office/drawing/2014/main" id="{3CE79DC9-C8BA-42C6-88BB-BF8E72E7AA52}"/>
+                </a:ext>
+              </a:extLst>
+            </p:cNvPr>
+            <p:cNvSpPr/>
+            <p:nvPr/>
+          </p:nvSpPr>
+          <p:spPr>
+            <a:xfrm>
+              <a:off x="968189" y="4475289"/>
+              <a:ext cx="1425388" cy="1190065"/>
+            </a:xfrm>
+            <a:prstGeom prst="rect">
+              <a:avLst/>
+            </a:prstGeom>
+            <a:solidFill>
+              <a:schemeClr val="bg1"/>
+            </a:solidFill>
+            <a:ln w="38100">
+              <a:solidFill>
+                <a:srgbClr val="FF0000"/>
+              </a:solidFill>
+            </a:ln>
+          </p:spPr>
+          <p:style>
+            <a:lnRef idx="2">
+              <a:schemeClr val="accent1">
+                <a:shade val="50000"/>
+              </a:schemeClr>
+            </a:lnRef>
+            <a:fillRef idx="1">
+              <a:schemeClr val="accent1"/>
+            </a:fillRef>
+            <a:effectRef idx="0">
+              <a:schemeClr val="accent1"/>
+            </a:effectRef>
+            <a:fontRef idx="minor">
+              <a:schemeClr val="lt1"/>
+            </a:fontRef>
+          </p:style>
+          <p:txBody>
+            <a:bodyPr rtlCol="0" anchor="ctr"/>
+            <a:lstStyle/>
+            <a:p>
+              <a:pPr algn="ctr"/>
+              <a:r>
+                <a:rPr lang="ko-KR" altLang="en-US" dirty="0"/>
+                <a:t>실제 데이터</a:t>
+              </a:r>
+            </a:p>
+          </p:txBody>
+        </p:sp>
+        <p:cxnSp>
+          <p:nvCxnSpPr>
+            <p:cNvPr id="37" name="직선 화살표 연결선 36">
+              <a:extLst>
+                <a:ext uri="{FF2B5EF4-FFF2-40B4-BE49-F238E27FC236}">
+                  <a16:creationId xmlns:a16="http://schemas.microsoft.com/office/drawing/2014/main" id="{AF79ACA3-8399-4577-88AE-B50147A681E9}"/>
+                </a:ext>
+              </a:extLst>
+            </p:cNvPr>
+            <p:cNvCxnSpPr/>
+            <p:nvPr/>
+          </p:nvCxnSpPr>
+          <p:spPr>
+            <a:xfrm>
+              <a:off x="2393577" y="4766982"/>
+              <a:ext cx="638735" cy="0"/>
+            </a:xfrm>
+            <a:prstGeom prst="straightConnector1">
+              <a:avLst/>
+            </a:prstGeom>
+            <a:ln w="38100">
+              <a:solidFill>
+                <a:srgbClr val="FF0000"/>
+              </a:solidFill>
+              <a:tailEnd type="triangle"/>
+            </a:ln>
+          </p:spPr>
+          <p:style>
+            <a:lnRef idx="1">
+              <a:schemeClr val="accent1"/>
+            </a:lnRef>
+            <a:fillRef idx="0">
+              <a:schemeClr val="accent1"/>
+            </a:fillRef>
+            <a:effectRef idx="0">
+              <a:schemeClr val="accent1"/>
+            </a:effectRef>
+            <a:fontRef idx="minor">
+              <a:schemeClr val="tx1"/>
+            </a:fontRef>
+          </p:style>
+        </p:cxnSp>
+        <p:cxnSp>
+          <p:nvCxnSpPr>
+            <p:cNvPr id="39" name="직선 화살표 연결선 38">
+              <a:extLst>
+                <a:ext uri="{FF2B5EF4-FFF2-40B4-BE49-F238E27FC236}">
+                  <a16:creationId xmlns:a16="http://schemas.microsoft.com/office/drawing/2014/main" id="{97CE7C26-38EC-406B-9E14-8F7B0B0BBD3C}"/>
+                </a:ext>
+              </a:extLst>
+            </p:cNvPr>
+            <p:cNvCxnSpPr/>
+            <p:nvPr/>
+          </p:nvCxnSpPr>
+          <p:spPr>
+            <a:xfrm>
+              <a:off x="5042647" y="3247465"/>
+              <a:ext cx="992840" cy="0"/>
+            </a:xfrm>
+            <a:prstGeom prst="straightConnector1">
+              <a:avLst/>
+            </a:prstGeom>
+            <a:ln w="38100">
+              <a:solidFill>
+                <a:srgbClr val="FF0000"/>
+              </a:solidFill>
+              <a:tailEnd type="triangle"/>
+            </a:ln>
+          </p:spPr>
+          <p:style>
+            <a:lnRef idx="1">
+              <a:schemeClr val="accent1"/>
+            </a:lnRef>
+            <a:fillRef idx="0">
+              <a:schemeClr val="accent1"/>
+            </a:fillRef>
+            <a:effectRef idx="0">
+              <a:schemeClr val="accent1"/>
+            </a:effectRef>
+            <a:fontRef idx="minor">
+              <a:schemeClr val="tx1"/>
+            </a:fontRef>
+          </p:style>
+        </p:cxnSp>
+        <p:cxnSp>
+          <p:nvCxnSpPr>
+            <p:cNvPr id="40" name="직선 화살표 연결선 39">
+              <a:extLst>
+                <a:ext uri="{FF2B5EF4-FFF2-40B4-BE49-F238E27FC236}">
+                  <a16:creationId xmlns:a16="http://schemas.microsoft.com/office/drawing/2014/main" id="{5D686A90-2D11-4546-9C7A-55413C7EBB6F}"/>
+                </a:ext>
+              </a:extLst>
+            </p:cNvPr>
+            <p:cNvCxnSpPr/>
+            <p:nvPr/>
+          </p:nvCxnSpPr>
+          <p:spPr>
+            <a:xfrm>
+              <a:off x="8045823" y="3662083"/>
+              <a:ext cx="992840" cy="0"/>
+            </a:xfrm>
+            <a:prstGeom prst="straightConnector1">
+              <a:avLst/>
+            </a:prstGeom>
+            <a:ln w="38100">
+              <a:solidFill>
+                <a:srgbClr val="FF0000"/>
+              </a:solidFill>
+              <a:tailEnd type="triangle"/>
+            </a:ln>
+          </p:spPr>
+          <p:style>
+            <a:lnRef idx="1">
+              <a:schemeClr val="accent1"/>
+            </a:lnRef>
+            <a:fillRef idx="0">
+              <a:schemeClr val="accent1"/>
+            </a:fillRef>
+            <a:effectRef idx="0">
+              <a:schemeClr val="accent1"/>
+            </a:effectRef>
+            <a:fontRef idx="minor">
+              <a:schemeClr val="tx1"/>
+            </a:fontRef>
+          </p:style>
+        </p:cxnSp>
+      </p:grpSp>
+      <p:sp>
+        <p:nvSpPr>
+          <p:cNvPr id="25" name="제목 1">
+            <a:extLst>
+              <a:ext uri="{FF2B5EF4-FFF2-40B4-BE49-F238E27FC236}">
+                <a16:creationId xmlns:a16="http://schemas.microsoft.com/office/drawing/2014/main" id="{A24A6375-C6FB-4FF1-820F-F38BD6F584E6}"/>
+              </a:ext>
+            </a:extLst>
+          </p:cNvPr>
+          <p:cNvSpPr>
+            <a:spLocks noGrp="1"/>
+          </p:cNvSpPr>
+          <p:nvPr>
+            <p:ph type="title"/>
+          </p:nvPr>
+        </p:nvSpPr>
+        <p:spPr>
+          <a:xfrm>
+            <a:off x="838200" y="365125"/>
+            <a:ext cx="10515600" cy="1325563"/>
+          </a:xfrm>
+        </p:spPr>
+        <p:txBody>
+          <a:bodyPr/>
+          <a:lstStyle/>
+          <a:p>
+            <a:r>
+              <a:rPr kumimoji="1" lang="en-US" altLang="ko-KR" dirty="0"/>
+              <a:t>3. </a:t>
+            </a:r>
+            <a:r>
+              <a:rPr kumimoji="1" lang="ko-KR" altLang="en-US" dirty="0"/>
+              <a:t>제작 모델</a:t>
+            </a:r>
+            <a:r>
+              <a:rPr kumimoji="1" lang="en-US" altLang="ko-KR" dirty="0"/>
+              <a:t> </a:t>
+            </a:r>
+            <a:endParaRPr kumimoji="1" lang="ko-KR" altLang="en-US" dirty="0"/>
+          </a:p>
+        </p:txBody>
+      </p:sp>
+    </p:spTree>
+    <p:extLst>
+      <p:ext uri="{BB962C8B-B14F-4D97-AF65-F5344CB8AC3E}">
+        <p14:creationId xmlns:p14="http://schemas.microsoft.com/office/powerpoint/2010/main" val="1265407113"/>
+      </p:ext>
+    </p:extLst>
+  </p:cSld>
+  <p:clrMapOvr>
+    <a:masterClrMapping/>
+  </p:clrMapOvr>
+</p:sld>
+</file>
+
+<file path=ppt/slides/slide13.xml><?xml version="1.0" encoding="utf-8"?>
+<p:sld xmlns:a="http://schemas.openxmlformats.org/drawingml/2006/main" xmlns:r="http://schemas.openxmlformats.org/officeDocument/2006/relationships" xmlns:p="http://schemas.openxmlformats.org/presentationml/2006/main">
+  <p:cSld>
+    <p:spTree>
+      <p:nvGrpSpPr>
+        <p:cNvPr id="1" name=""/>
+        <p:cNvGrpSpPr/>
+        <p:nvPr/>
+      </p:nvGrpSpPr>
+      <p:grpSpPr>
+        <a:xfrm>
+          <a:off x="0" y="0"/>
+          <a:ext cx="0" cy="0"/>
+          <a:chOff x="0" y="0"/>
+          <a:chExt cx="0" cy="0"/>
+        </a:xfrm>
+      </p:grpSpPr>
+      <p:sp>
+        <p:nvSpPr>
+          <p:cNvPr id="2" name="제목 1">
+            <a:extLst>
+              <a:ext uri="{FF2B5EF4-FFF2-40B4-BE49-F238E27FC236}">
+                <a16:creationId xmlns:a16="http://schemas.microsoft.com/office/drawing/2014/main" id="{1AA1A586-DD52-46D9-8C70-D7D2DDFEABA6}"/>
+              </a:ext>
+            </a:extLst>
+          </p:cNvPr>
+          <p:cNvSpPr>
+            <a:spLocks noGrp="1"/>
+          </p:cNvSpPr>
+          <p:nvPr>
+            <p:ph type="title"/>
+          </p:nvPr>
+        </p:nvSpPr>
+        <p:spPr/>
+        <p:txBody>
+          <a:bodyPr/>
+          <a:lstStyle/>
+          <a:p>
+            <a:r>
+              <a:rPr lang="en-US" altLang="ko-KR" dirty="0"/>
+              <a:t>4. </a:t>
+            </a:r>
+            <a:r>
+              <a:rPr lang="ko-KR" altLang="en-US" dirty="0"/>
+              <a:t>추가 기대 효과</a:t>
+            </a:r>
+          </a:p>
+        </p:txBody>
+      </p:sp>
+      <p:sp>
+        <p:nvSpPr>
+          <p:cNvPr id="3" name="내용 개체 틀 2">
+            <a:extLst>
+              <a:ext uri="{FF2B5EF4-FFF2-40B4-BE49-F238E27FC236}">
+                <a16:creationId xmlns:a16="http://schemas.microsoft.com/office/drawing/2014/main" id="{316AB782-E46E-4DEF-8EC4-BE816093ECAA}"/>
+              </a:ext>
+            </a:extLst>
+          </p:cNvPr>
+          <p:cNvSpPr>
+            <a:spLocks noGrp="1"/>
+          </p:cNvSpPr>
+          <p:nvPr>
+            <p:ph idx="1"/>
+          </p:nvPr>
+        </p:nvSpPr>
+        <p:spPr/>
+        <p:txBody>
+          <a:bodyPr/>
+          <a:lstStyle/>
+          <a:p>
+            <a:r>
+              <a:rPr lang="ko-KR" altLang="en-US" dirty="0"/>
+              <a:t>영화 포스터 데이터의 </a:t>
+            </a:r>
+            <a:r>
+              <a:rPr lang="en-US" altLang="ko-KR" dirty="0"/>
+              <a:t>RGB </a:t>
+            </a:r>
+            <a:r>
+              <a:rPr lang="ko-KR" altLang="en-US" dirty="0"/>
+              <a:t>분포를 통해서 나누어진 장르를 인간이 색을 통하여 느낄 수 있는 가장 기본적인 분위기인 위협과 안정으로 구분하여 서비스 사용자에게 제공한다</a:t>
+            </a:r>
+            <a:r>
+              <a:rPr lang="en-US" altLang="ko-KR" dirty="0"/>
+              <a:t>.</a:t>
+            </a:r>
+          </a:p>
+          <a:p>
+            <a:endParaRPr lang="en-US" altLang="ko-KR" dirty="0"/>
+          </a:p>
+          <a:p>
+            <a:r>
+              <a:rPr lang="ko-KR" altLang="en-US" dirty="0"/>
+              <a:t>이를 통해 색이 아닌 사진의 형태를 통해 개념적으로만 알고 있는 정보들을 색약</a:t>
+            </a:r>
+            <a:r>
+              <a:rPr lang="en-US" altLang="ko-KR" dirty="0"/>
+              <a:t>/</a:t>
+            </a:r>
+            <a:r>
+              <a:rPr lang="ko-KR" altLang="en-US" dirty="0"/>
+              <a:t>맹인 사람들에게 제공할 수 있다</a:t>
+            </a:r>
+            <a:r>
+              <a:rPr lang="en-US" altLang="ko-KR" dirty="0"/>
+              <a:t>.</a:t>
+            </a:r>
+          </a:p>
+          <a:p>
+            <a:endParaRPr lang="en-US" altLang="ko-KR" dirty="0"/>
+          </a:p>
+          <a:p>
+            <a:r>
+              <a:rPr lang="ko-KR" altLang="en-US" dirty="0"/>
+              <a:t>추후 단순한 분위기를 넘어 사진에서 느껴지는 감정을 컴퓨터에게 학습시킬 수 있는 기초 연구로서 활용될 것으로 기대된다</a:t>
+            </a:r>
+            <a:r>
+              <a:rPr lang="en-US" altLang="ko-KR" dirty="0"/>
+              <a:t>.</a:t>
+            </a:r>
+            <a:endParaRPr lang="ko-KR" altLang="en-US" dirty="0"/>
+          </a:p>
+        </p:txBody>
+      </p:sp>
+    </p:spTree>
+    <p:extLst>
+      <p:ext uri="{BB962C8B-B14F-4D97-AF65-F5344CB8AC3E}">
+        <p14:creationId xmlns:p14="http://schemas.microsoft.com/office/powerpoint/2010/main" val="3923533481"/>
       </p:ext>
     </p:extLst>
   </p:cSld>
@@ -4196,14 +5475,14 @@
           <p:nvPr>
             <p:extLst>
               <p:ext uri="{D42A27DB-BD31-4B8C-83A1-F6EECF244321}">
-                <p14:modId xmlns:p14="http://schemas.microsoft.com/office/powerpoint/2010/main" val="1934772708"/>
+                <p14:modId xmlns:p14="http://schemas.microsoft.com/office/powerpoint/2010/main" val="4102865334"/>
               </p:ext>
             </p:extLst>
           </p:nvPr>
         </p:nvGraphicFramePr>
         <p:xfrm>
-          <a:off x="838200" y="1825621"/>
-          <a:ext cx="10515600" cy="4351336"/>
+          <a:off x="838200" y="1657521"/>
+          <a:ext cx="10515600" cy="4447499"/>
         </p:xfrm>
         <a:graphic>
           <a:graphicData uri="http://schemas.openxmlformats.org/drawingml/2006/table">
@@ -4441,11 +5720,22 @@
                     <a:lstStyle/>
                     <a:p>
                       <a:pPr algn="ctr" latinLnBrk="1"/>
-                      <a:endParaRPr lang="ko-KR" altLang="en-US" dirty="0">
-                        <a:solidFill>
-                          <a:schemeClr val="tx1"/>
-                        </a:solidFill>
-                      </a:endParaRPr>
+                      <a:r>
+                        <a:rPr lang="en-US" altLang="ko-KR" dirty="0">
+                          <a:solidFill>
+                            <a:schemeClr val="tx1"/>
+                          </a:solidFill>
+                        </a:rPr>
+                        <a:t>‘2.</a:t>
+                      </a:r>
+                      <a:r>
+                        <a:rPr lang="ko-KR" altLang="en-US" dirty="0">
+                          <a:solidFill>
+                            <a:schemeClr val="tx1"/>
+                          </a:solidFill>
+                        </a:rPr>
+                        <a:t> 데이터 처리＇ 작성</a:t>
+                      </a:r>
                     </a:p>
                   </a:txBody>
                   <a:tcPr>
@@ -4465,23 +5755,14 @@
                     <a:lstStyle/>
                     <a:p>
                       <a:pPr algn="ctr" latinLnBrk="1"/>
-                      <a:endParaRPr lang="ko-KR" altLang="en-US">
-                        <a:solidFill>
-                          <a:schemeClr val="tx1"/>
-                        </a:solidFill>
-                      </a:endParaRPr>
-                    </a:p>
-                  </a:txBody>
-                  <a:tcPr>
-                    <a:noFill/>
-                  </a:tcPr>
-                </a:tc>
-                <a:tc>
-                  <a:txBody>
-                    <a:bodyPr/>
-                    <a:lstStyle/>
-                    <a:p>
-                      <a:pPr algn="ctr" latinLnBrk="1"/>
+                      <a:r>
+                        <a:rPr lang="en-US" altLang="ko-KR" dirty="0">
+                          <a:solidFill>
+                            <a:schemeClr val="tx1"/>
+                          </a:solidFill>
+                        </a:rPr>
+                        <a:t>20190402</a:t>
+                      </a:r>
                       <a:endParaRPr lang="ko-KR" altLang="en-US" dirty="0">
                         <a:solidFill>
                           <a:schemeClr val="tx1"/>
@@ -4499,11 +5780,71 @@
                     <a:lstStyle/>
                     <a:p>
                       <a:pPr algn="ctr" latinLnBrk="1"/>
-                      <a:endParaRPr lang="ko-KR" altLang="en-US">
+                      <a:r>
+                        <a:rPr lang="en-US" altLang="ko-KR" dirty="0">
+                          <a:solidFill>
+                            <a:schemeClr val="tx1"/>
+                          </a:solidFill>
+                        </a:rPr>
+                        <a:t>v.1.0.0</a:t>
+                      </a:r>
+                      <a:endParaRPr lang="ko-KR" altLang="en-US" dirty="0">
                         <a:solidFill>
                           <a:schemeClr val="tx1"/>
                         </a:solidFill>
                       </a:endParaRPr>
+                    </a:p>
+                  </a:txBody>
+                  <a:tcPr>
+                    <a:noFill/>
+                  </a:tcPr>
+                </a:tc>
+                <a:tc>
+                  <a:txBody>
+                    <a:bodyPr/>
+                    <a:lstStyle/>
+                    <a:p>
+                      <a:pPr algn="ctr" latinLnBrk="1"/>
+                      <a:r>
+                        <a:rPr lang="en-US" altLang="ko-KR" dirty="0">
+                          <a:solidFill>
+                            <a:schemeClr val="tx1"/>
+                          </a:solidFill>
+                        </a:rPr>
+                        <a:t>‘2. </a:t>
+                      </a:r>
+                      <a:r>
+                        <a:rPr lang="ko-KR" altLang="en-US" dirty="0">
+                          <a:solidFill>
+                            <a:schemeClr val="tx1"/>
+                          </a:solidFill>
+                        </a:rPr>
+                        <a:t>데이터 처리＇ 내용 보강</a:t>
+                      </a:r>
+                      <a:endParaRPr lang="en-US" altLang="ko-KR" dirty="0">
+                        <a:solidFill>
+                          <a:schemeClr val="tx1"/>
+                        </a:solidFill>
+                      </a:endParaRPr>
+                    </a:p>
+                    <a:p>
+                      <a:pPr algn="ctr" latinLnBrk="1"/>
+                      <a:r>
+                        <a:rPr lang="en-US" altLang="ko-KR" dirty="0">
+                          <a:solidFill>
+                            <a:schemeClr val="tx1"/>
+                          </a:solidFill>
+                        </a:rPr>
+                        <a:t>‘4. </a:t>
+                      </a:r>
+                      <a:r>
+                        <a:rPr lang="ko-KR" altLang="en-US" dirty="0">
+                          <a:solidFill>
+                            <a:schemeClr val="tx1"/>
+                          </a:solidFill>
+                        </a:rPr>
+                        <a:t>추가 기대효과＇ 작성</a:t>
+                      </a:r>
                     </a:p>
                   </a:txBody>
                   <a:tcPr>
@@ -4885,7 +6226,7 @@
             </a:pPr>
             <a:r>
               <a:rPr kumimoji="1" lang="ko-KR" altLang="en-US" dirty="0"/>
-              <a:t>기대효과</a:t>
+              <a:t>추가 기대 효과</a:t>
             </a:r>
             <a:endParaRPr kumimoji="1" lang="en-US" altLang="ko-KR" dirty="0"/>
           </a:p>
@@ -4994,7 +6335,7 @@
             </a:r>
             <a:r>
               <a:rPr kumimoji="1" lang="en-US" altLang="ko-KR" dirty="0"/>
-              <a:t>Labeling </a:t>
+              <a:t>labeling </a:t>
             </a:r>
             <a:r>
               <a:rPr kumimoji="1" lang="ko-KR" altLang="en-US" dirty="0"/>
@@ -5034,7 +6375,7 @@
             </a:r>
             <a:r>
               <a:rPr kumimoji="1" lang="ko-KR" altLang="en-US" dirty="0"/>
-              <a:t>주는 모델 계획</a:t>
+              <a:t>주는 모델 기획</a:t>
             </a:r>
             <a:endParaRPr kumimoji="1" lang="en-US" altLang="ko-KR" dirty="0"/>
           </a:p>
@@ -5047,7 +6388,7 @@
             </a:pPr>
             <a:r>
               <a:rPr kumimoji="1" lang="en-US" altLang="ko-KR" sz="2400" dirty="0"/>
-              <a:t>  - ML/Deep Learning</a:t>
+              <a:t>  -&gt; ML/Deep Learning</a:t>
             </a:r>
             <a:r>
               <a:rPr kumimoji="1" lang="ko-KR" altLang="en-US" sz="2400" dirty="0"/>
@@ -5061,7 +6402,7 @@
             </a:pPr>
             <a:r>
               <a:rPr kumimoji="1" lang="en-US" altLang="ko-KR" sz="2400" dirty="0"/>
-              <a:t>  - R, G, B</a:t>
+              <a:t>  -&gt; R, G, B</a:t>
             </a:r>
             <a:r>
               <a:rPr kumimoji="1" lang="ko-KR" altLang="en-US" sz="2400" dirty="0"/>
@@ -5091,7 +6432,7 @@
             </a:pPr>
             <a:r>
               <a:rPr kumimoji="1" lang="en-US" altLang="ko-KR" sz="2400" dirty="0"/>
-              <a:t>  - </a:t>
+              <a:t>  -&gt; </a:t>
             </a:r>
             <a:r>
               <a:rPr kumimoji="1" lang="ko-KR" altLang="en-US" sz="2400" dirty="0"/>
@@ -5162,7 +6503,7 @@
           <a:p>
             <a:r>
               <a:rPr lang="ko-KR" altLang="en-US" dirty="0"/>
-              <a:t>기존의 주제를 해치지 않으면서도 오픈 된 데이터가 있고 </a:t>
+              <a:t>기존의 주제에서 벗어나지 않으며 오픈 된 데이터가 있고 </a:t>
             </a:r>
             <a:r>
               <a:rPr lang="en-US" altLang="ko-KR" dirty="0"/>
@@ -5187,9 +6528,20 @@
             </a:r>
             <a:r>
               <a:rPr lang="ko-KR" altLang="en-US" dirty="0"/>
-              <a:t>영화포스터 학습을 통한 장르 예측 데이터 확인</a:t>
-            </a:r>
-            <a:endParaRPr lang="en-US" altLang="ko-KR" dirty="0"/>
+              <a:t>영화포스터 학습을 통한 장르 예측 데이터</a:t>
+            </a:r>
+            <a:r>
+              <a:rPr lang="en-US" altLang="ko-KR" dirty="0"/>
+              <a:t> </a:t>
+            </a:r>
+            <a:r>
+              <a:rPr lang="ko-KR" altLang="en-US" dirty="0"/>
+              <a:t>활용</a:t>
+            </a:r>
+            <a:r>
+              <a:rPr lang="en-US" altLang="ko-KR" dirty="0"/>
+              <a:t>!</a:t>
+            </a:r>
           </a:p>
           <a:p>
             <a:pPr marL="0" indent="0">
@@ -5281,48 +6633,73 @@
             <p:ph idx="1"/>
           </p:nvPr>
         </p:nvSpPr>
-        <p:spPr/>
-        <p:txBody>
-          <a:bodyPr/>
+        <p:spPr>
+          <a:xfrm>
+            <a:off x="838200" y="5294966"/>
+            <a:ext cx="10515600" cy="1132728"/>
+          </a:xfrm>
+        </p:spPr>
+        <p:txBody>
+          <a:bodyPr>
+            <a:normAutofit/>
+          </a:bodyPr>
           <a:lstStyle/>
           <a:p>
             <a:r>
               <a:rPr lang="ko-KR" altLang="en-US" dirty="0"/>
-              <a:t>데이터에 대한 설명</a:t>
-            </a:r>
-            <a:endParaRPr lang="en-US" altLang="ko-KR" dirty="0"/>
-          </a:p>
-          <a:p>
+              <a:t>총 </a:t>
+            </a:r>
+            <a:r>
+              <a:rPr lang="en-US" altLang="ko-KR" dirty="0"/>
+              <a:t>39,515</a:t>
+            </a:r>
             <a:r>
               <a:rPr lang="ko-KR" altLang="en-US" dirty="0"/>
-              <a:t>어떻게 </a:t>
+              <a:t>개의 영화 포스터 이미지로 구성되어 있음</a:t>
             </a:r>
             <a:r>
               <a:rPr lang="en-US" altLang="ko-KR" dirty="0"/>
-              <a:t>RGB</a:t>
-            </a:r>
-            <a:r>
-              <a:rPr lang="ko-KR" altLang="en-US" dirty="0"/>
-              <a:t>가 감정을 판별하는 도구로 활용될 수 있는지</a:t>
-            </a:r>
-            <a:endParaRPr lang="en-US" altLang="ko-KR" dirty="0"/>
-          </a:p>
-          <a:p>
-            <a:endParaRPr lang="en-US" altLang="ko-KR" dirty="0"/>
-          </a:p>
-          <a:p>
-            <a:r>
-              <a:rPr lang="ko-KR" altLang="en-US" dirty="0"/>
-              <a:t>진우형 부탁해요</a:t>
-            </a:r>
+              <a:t>.</a:t>
+            </a:r>
+          </a:p>
+          <a:p>
             <a:r>
               <a:rPr lang="en-US" altLang="ko-KR" dirty="0"/>
-              <a:t>!!</a:t>
-            </a:r>
-            <a:endParaRPr lang="ko-KR" altLang="en-US" dirty="0"/>
-          </a:p>
-        </p:txBody>
-      </p:sp>
+              <a:t>Width : 182, Height : 268</a:t>
+            </a:r>
+          </a:p>
+        </p:txBody>
+      </p:sp>
+      <p:pic>
+        <p:nvPicPr>
+          <p:cNvPr id="2" name="그림 1">
+            <a:extLst>
+              <a:ext uri="{FF2B5EF4-FFF2-40B4-BE49-F238E27FC236}">
+                <a16:creationId xmlns:a16="http://schemas.microsoft.com/office/drawing/2014/main" id="{7645ED52-7657-486D-8F1B-A693EFA67D9B}"/>
+              </a:ext>
+            </a:extLst>
+          </p:cNvPr>
+          <p:cNvPicPr>
+            <a:picLocks noChangeAspect="1"/>
+          </p:cNvPicPr>
+          <p:nvPr/>
+        </p:nvPicPr>
+        <p:blipFill>
+          <a:blip r:embed="rId2"/>
+          <a:stretch>
+            <a:fillRect/>
+          </a:stretch>
+        </p:blipFill>
+        <p:spPr>
+          <a:xfrm>
+            <a:off x="2172260" y="610278"/>
+            <a:ext cx="7847479" cy="4430495"/>
+          </a:xfrm>
+          <a:prstGeom prst="rect">
+            <a:avLst/>
+          </a:prstGeom>
+        </p:spPr>
+      </p:pic>
     </p:spTree>
     <p:extLst>
       <p:ext uri="{BB962C8B-B14F-4D97-AF65-F5344CB8AC3E}">
@@ -5355,1072 +6732,108 @@
       </p:grpSpPr>
       <p:sp>
         <p:nvSpPr>
-          <p:cNvPr id="4" name="직사각형 3">
+          <p:cNvPr id="3" name="내용 개체 틀 2">
             <a:extLst>
               <a:ext uri="{FF2B5EF4-FFF2-40B4-BE49-F238E27FC236}">
-                <a16:creationId xmlns:a16="http://schemas.microsoft.com/office/drawing/2014/main" id="{4291C74F-E085-445F-9B3E-A7B707249D55}"/>
+                <a16:creationId xmlns:a16="http://schemas.microsoft.com/office/drawing/2014/main" id="{D61A475B-E993-4BA5-9BE5-C290B60701F4}"/>
               </a:ext>
             </a:extLst>
           </p:cNvPr>
-          <p:cNvSpPr/>
-          <p:nvPr/>
+          <p:cNvSpPr>
+            <a:spLocks noGrp="1"/>
+          </p:cNvSpPr>
+          <p:nvPr>
+            <p:ph idx="1"/>
+          </p:nvPr>
         </p:nvSpPr>
         <p:spPr>
           <a:xfrm>
-            <a:off x="968189" y="2776817"/>
-            <a:ext cx="1425388" cy="1190065"/>
+            <a:off x="6359746" y="2011711"/>
+            <a:ext cx="5582058" cy="2834576"/>
+          </a:xfrm>
+        </p:spPr>
+        <p:txBody>
+          <a:bodyPr/>
+          <a:lstStyle/>
+          <a:p>
+            <a:r>
+              <a:rPr lang="ko-KR" altLang="en-US" dirty="0"/>
+              <a:t>각 장르별로 </a:t>
+            </a:r>
+            <a:r>
+              <a:rPr lang="en-US" altLang="ko-KR" dirty="0"/>
+              <a:t>RGB </a:t>
+            </a:r>
+            <a:r>
+              <a:rPr lang="ko-KR" altLang="en-US" dirty="0"/>
+              <a:t>분포를 확인 가능하다</a:t>
+            </a:r>
+            <a:r>
+              <a:rPr lang="en-US" altLang="ko-KR" dirty="0"/>
+              <a:t>.</a:t>
+            </a:r>
+          </a:p>
+          <a:p>
+            <a:endParaRPr lang="en-US" altLang="ko-KR" dirty="0"/>
+          </a:p>
+          <a:p>
+            <a:r>
+              <a:rPr lang="ko-KR" altLang="en-US" dirty="0"/>
+              <a:t>데이터 처리를 통하여 </a:t>
+            </a:r>
+            <a:r>
+              <a:rPr lang="en-US" altLang="ko-KR" dirty="0"/>
+              <a:t>RGB </a:t>
+            </a:r>
+            <a:r>
+              <a:rPr lang="ko-KR" altLang="en-US" dirty="0"/>
+              <a:t>분포 </a:t>
+            </a:r>
+            <a:r>
+              <a:rPr lang="en-US" altLang="ko-KR" dirty="0"/>
+              <a:t>csv</a:t>
+            </a:r>
+            <a:r>
+              <a:rPr lang="ko-KR" altLang="en-US" dirty="0"/>
+              <a:t>파일을 생성하고 해당 공통 부분을 묶어 학습에 활용</a:t>
+            </a:r>
+          </a:p>
+        </p:txBody>
+      </p:sp>
+      <p:pic>
+        <p:nvPicPr>
+          <p:cNvPr id="2" name="그림 1">
+            <a:extLst>
+              <a:ext uri="{FF2B5EF4-FFF2-40B4-BE49-F238E27FC236}">
+                <a16:creationId xmlns:a16="http://schemas.microsoft.com/office/drawing/2014/main" id="{25B14738-6F48-402B-AECC-679BE6D99DFF}"/>
+              </a:ext>
+            </a:extLst>
+          </p:cNvPr>
+          <p:cNvPicPr>
+            <a:picLocks noChangeAspect="1"/>
+          </p:cNvPicPr>
+          <p:nvPr/>
+        </p:nvPicPr>
+        <p:blipFill>
+          <a:blip r:embed="rId2"/>
+          <a:stretch>
+            <a:fillRect/>
+          </a:stretch>
+        </p:blipFill>
+        <p:spPr>
+          <a:xfrm>
+            <a:off x="616324" y="792759"/>
+            <a:ext cx="5582058" cy="5272481"/>
           </a:xfrm>
           <a:prstGeom prst="rect">
             <a:avLst/>
           </a:prstGeom>
-          <a:solidFill>
-            <a:schemeClr val="bg1"/>
-          </a:solidFill>
-          <a:ln w="38100">
-            <a:solidFill>
-              <a:schemeClr val="tx1"/>
-            </a:solidFill>
-          </a:ln>
         </p:spPr>
-        <p:style>
-          <a:lnRef idx="2">
-            <a:schemeClr val="accent1">
-              <a:shade val="50000"/>
-            </a:schemeClr>
-          </a:lnRef>
-          <a:fillRef idx="1">
-            <a:schemeClr val="accent1"/>
-          </a:fillRef>
-          <a:effectRef idx="0">
-            <a:schemeClr val="accent1"/>
-          </a:effectRef>
-          <a:fontRef idx="minor">
-            <a:schemeClr val="lt1"/>
-          </a:fontRef>
-        </p:style>
-        <p:txBody>
-          <a:bodyPr rtlCol="0" anchor="ctr"/>
-          <a:lstStyle/>
-          <a:p>
-            <a:pPr algn="ctr"/>
-            <a:r>
-              <a:rPr lang="ko-KR" altLang="en-US" dirty="0"/>
-              <a:t>영화 포스터 </a:t>
-            </a:r>
-            <a:r>
-              <a:rPr lang="en-US" altLang="ko-KR" dirty="0"/>
-              <a:t>training set</a:t>
-            </a:r>
-            <a:endParaRPr lang="ko-KR" altLang="en-US" dirty="0"/>
-          </a:p>
-        </p:txBody>
-      </p:sp>
-      <p:sp>
-        <p:nvSpPr>
-          <p:cNvPr id="5" name="직사각형 4">
-            <a:extLst>
-              <a:ext uri="{FF2B5EF4-FFF2-40B4-BE49-F238E27FC236}">
-                <a16:creationId xmlns:a16="http://schemas.microsoft.com/office/drawing/2014/main" id="{A33AA842-E763-4BAD-B02E-4E7A64D7F5DA}"/>
-              </a:ext>
-            </a:extLst>
-          </p:cNvPr>
-          <p:cNvSpPr/>
-          <p:nvPr/>
-        </p:nvSpPr>
-        <p:spPr>
-          <a:xfrm>
-            <a:off x="3032312" y="2761411"/>
-            <a:ext cx="2010335" cy="2524022"/>
-          </a:xfrm>
-          <a:prstGeom prst="rect">
-            <a:avLst/>
-          </a:prstGeom>
-          <a:solidFill>
-            <a:schemeClr val="bg1"/>
-          </a:solidFill>
-          <a:ln w="38100">
-            <a:solidFill>
-              <a:schemeClr val="tx1"/>
-            </a:solidFill>
-          </a:ln>
-        </p:spPr>
-        <p:style>
-          <a:lnRef idx="2">
-            <a:schemeClr val="accent1">
-              <a:shade val="50000"/>
-            </a:schemeClr>
-          </a:lnRef>
-          <a:fillRef idx="1">
-            <a:schemeClr val="accent1"/>
-          </a:fillRef>
-          <a:effectRef idx="0">
-            <a:schemeClr val="accent1"/>
-          </a:effectRef>
-          <a:fontRef idx="minor">
-            <a:schemeClr val="lt1"/>
-          </a:fontRef>
-        </p:style>
-        <p:txBody>
-          <a:bodyPr rtlCol="0" anchor="ctr"/>
-          <a:lstStyle/>
-          <a:p>
-            <a:pPr algn="ctr"/>
-            <a:r>
-              <a:rPr lang="ko-KR" altLang="en-US" dirty="0"/>
-              <a:t>장르</a:t>
-            </a:r>
-            <a:r>
-              <a:rPr lang="en-US" altLang="ko-KR" dirty="0"/>
-              <a:t>/</a:t>
-            </a:r>
-            <a:r>
-              <a:rPr lang="ko-KR" altLang="en-US" dirty="0"/>
-              <a:t>감정 유추 </a:t>
-            </a:r>
-            <a:r>
-              <a:rPr lang="en-US" altLang="ko-KR" dirty="0"/>
-              <a:t>Model</a:t>
-            </a:r>
-            <a:endParaRPr lang="ko-KR" altLang="en-US" dirty="0"/>
-          </a:p>
-        </p:txBody>
-      </p:sp>
-      <p:sp>
-        <p:nvSpPr>
-          <p:cNvPr id="6" name="직사각형 5">
-            <a:extLst>
-              <a:ext uri="{FF2B5EF4-FFF2-40B4-BE49-F238E27FC236}">
-                <a16:creationId xmlns:a16="http://schemas.microsoft.com/office/drawing/2014/main" id="{CB312E1A-FA78-4963-81E2-6376413430E5}"/>
-              </a:ext>
-            </a:extLst>
-          </p:cNvPr>
-          <p:cNvSpPr/>
-          <p:nvPr/>
-        </p:nvSpPr>
-        <p:spPr>
-          <a:xfrm>
-            <a:off x="6035488" y="1337957"/>
-            <a:ext cx="2010335" cy="2628926"/>
-          </a:xfrm>
-          <a:prstGeom prst="rect">
-            <a:avLst/>
-          </a:prstGeom>
-          <a:solidFill>
-            <a:schemeClr val="bg1"/>
-          </a:solidFill>
-          <a:ln w="38100">
-            <a:solidFill>
-              <a:schemeClr val="tx1"/>
-            </a:solidFill>
-          </a:ln>
-        </p:spPr>
-        <p:style>
-          <a:lnRef idx="2">
-            <a:schemeClr val="accent1">
-              <a:shade val="50000"/>
-            </a:schemeClr>
-          </a:lnRef>
-          <a:fillRef idx="1">
-            <a:schemeClr val="accent1"/>
-          </a:fillRef>
-          <a:effectRef idx="0">
-            <a:schemeClr val="accent1"/>
-          </a:effectRef>
-          <a:fontRef idx="minor">
-            <a:schemeClr val="lt1"/>
-          </a:fontRef>
-        </p:style>
-        <p:txBody>
-          <a:bodyPr rtlCol="0" anchor="ctr"/>
-          <a:lstStyle/>
-          <a:p>
-            <a:pPr algn="ctr"/>
-            <a:r>
-              <a:rPr lang="ko-KR" altLang="en-US" dirty="0"/>
-              <a:t>색 판별</a:t>
-            </a:r>
-            <a:endParaRPr lang="en-US" altLang="ko-KR" dirty="0"/>
-          </a:p>
-          <a:p>
-            <a:pPr algn="ctr"/>
-            <a:r>
-              <a:rPr lang="en-US" altLang="ko-KR" dirty="0"/>
-              <a:t>Model</a:t>
-            </a:r>
-            <a:endParaRPr lang="ko-KR" altLang="en-US" dirty="0"/>
-          </a:p>
-        </p:txBody>
-      </p:sp>
-      <p:sp>
-        <p:nvSpPr>
-          <p:cNvPr id="7" name="직사각형 6">
-            <a:extLst>
-              <a:ext uri="{FF2B5EF4-FFF2-40B4-BE49-F238E27FC236}">
-                <a16:creationId xmlns:a16="http://schemas.microsoft.com/office/drawing/2014/main" id="{7098BEDF-6470-42EB-85F1-C0C6A22DDA26}"/>
-              </a:ext>
-            </a:extLst>
-          </p:cNvPr>
-          <p:cNvSpPr/>
-          <p:nvPr/>
-        </p:nvSpPr>
-        <p:spPr>
-          <a:xfrm>
-            <a:off x="9038663" y="3285224"/>
-            <a:ext cx="1425388" cy="1190065"/>
-          </a:xfrm>
-          <a:prstGeom prst="rect">
-            <a:avLst/>
-          </a:prstGeom>
-          <a:solidFill>
-            <a:schemeClr val="bg1"/>
-          </a:solidFill>
-          <a:ln w="38100">
-            <a:solidFill>
-              <a:srgbClr val="FF0000"/>
-            </a:solidFill>
-          </a:ln>
-        </p:spPr>
-        <p:style>
-          <a:lnRef idx="2">
-            <a:schemeClr val="accent1">
-              <a:shade val="50000"/>
-            </a:schemeClr>
-          </a:lnRef>
-          <a:fillRef idx="1">
-            <a:schemeClr val="accent1"/>
-          </a:fillRef>
-          <a:effectRef idx="0">
-            <a:schemeClr val="accent1"/>
-          </a:effectRef>
-          <a:fontRef idx="minor">
-            <a:schemeClr val="lt1"/>
-          </a:fontRef>
-        </p:style>
-        <p:txBody>
-          <a:bodyPr rtlCol="0" anchor="ctr"/>
-          <a:lstStyle/>
-          <a:p>
-            <a:pPr algn="ctr"/>
-            <a:r>
-              <a:rPr lang="ko-KR" altLang="en-US"/>
-              <a:t>최종</a:t>
-            </a:r>
-            <a:endParaRPr lang="en-US" altLang="ko-KR" dirty="0"/>
-          </a:p>
-          <a:p>
-            <a:pPr algn="ctr"/>
-            <a:r>
-              <a:rPr lang="en-US" altLang="ko-KR" dirty="0"/>
-              <a:t>output</a:t>
-            </a:r>
-            <a:endParaRPr lang="ko-KR" altLang="en-US" dirty="0"/>
-          </a:p>
-        </p:txBody>
-      </p:sp>
-      <p:cxnSp>
-        <p:nvCxnSpPr>
-          <p:cNvPr id="9" name="직선 화살표 연결선 8">
-            <a:extLst>
-              <a:ext uri="{FF2B5EF4-FFF2-40B4-BE49-F238E27FC236}">
-                <a16:creationId xmlns:a16="http://schemas.microsoft.com/office/drawing/2014/main" id="{6873212F-3BBB-4EF5-969D-13CDA9B03A24}"/>
-              </a:ext>
-            </a:extLst>
-          </p:cNvPr>
-          <p:cNvCxnSpPr/>
-          <p:nvPr/>
-        </p:nvCxnSpPr>
-        <p:spPr>
-          <a:xfrm>
-            <a:off x="2393577" y="3012141"/>
-            <a:ext cx="638735" cy="0"/>
-          </a:xfrm>
-          <a:prstGeom prst="straightConnector1">
-            <a:avLst/>
-          </a:prstGeom>
-          <a:ln w="38100">
-            <a:solidFill>
-              <a:schemeClr val="tx1"/>
-            </a:solidFill>
-            <a:tailEnd type="triangle"/>
-          </a:ln>
-        </p:spPr>
-        <p:style>
-          <a:lnRef idx="1">
-            <a:schemeClr val="accent1"/>
-          </a:lnRef>
-          <a:fillRef idx="0">
-            <a:schemeClr val="accent1"/>
-          </a:fillRef>
-          <a:effectRef idx="0">
-            <a:schemeClr val="accent1"/>
-          </a:effectRef>
-          <a:fontRef idx="minor">
-            <a:schemeClr val="tx1"/>
-          </a:fontRef>
-        </p:style>
-      </p:cxnSp>
-      <p:sp>
-        <p:nvSpPr>
-          <p:cNvPr id="12" name="직사각형 11">
-            <a:extLst>
-              <a:ext uri="{FF2B5EF4-FFF2-40B4-BE49-F238E27FC236}">
-                <a16:creationId xmlns:a16="http://schemas.microsoft.com/office/drawing/2014/main" id="{93A035E2-FEA4-4EC1-A640-C7DDE3B07451}"/>
-              </a:ext>
-            </a:extLst>
-          </p:cNvPr>
-          <p:cNvSpPr/>
-          <p:nvPr/>
-        </p:nvSpPr>
-        <p:spPr>
-          <a:xfrm>
-            <a:off x="3617259" y="1302097"/>
-            <a:ext cx="1425388" cy="1190065"/>
-          </a:xfrm>
-          <a:prstGeom prst="rect">
-            <a:avLst/>
-          </a:prstGeom>
-          <a:solidFill>
-            <a:schemeClr val="bg1"/>
-          </a:solidFill>
-          <a:ln w="38100">
-            <a:solidFill>
-              <a:schemeClr val="tx1"/>
-            </a:solidFill>
-          </a:ln>
-        </p:spPr>
-        <p:style>
-          <a:lnRef idx="2">
-            <a:schemeClr val="accent1">
-              <a:shade val="50000"/>
-            </a:schemeClr>
-          </a:lnRef>
-          <a:fillRef idx="1">
-            <a:schemeClr val="accent1"/>
-          </a:fillRef>
-          <a:effectRef idx="0">
-            <a:schemeClr val="accent1"/>
-          </a:effectRef>
-          <a:fontRef idx="minor">
-            <a:schemeClr val="lt1"/>
-          </a:fontRef>
-        </p:style>
-        <p:txBody>
-          <a:bodyPr rtlCol="0" anchor="ctr"/>
-          <a:lstStyle/>
-          <a:p>
-            <a:pPr algn="ctr"/>
-            <a:r>
-              <a:rPr lang="ko-KR" altLang="en-US" dirty="0"/>
-              <a:t>색 판별 </a:t>
-            </a:r>
-            <a:r>
-              <a:rPr lang="en-US" altLang="ko-KR" dirty="0"/>
-              <a:t>training set</a:t>
-            </a:r>
-          </a:p>
-        </p:txBody>
-      </p:sp>
-      <p:cxnSp>
-        <p:nvCxnSpPr>
-          <p:cNvPr id="14" name="연결선: 꺾임 13">
-            <a:extLst>
-              <a:ext uri="{FF2B5EF4-FFF2-40B4-BE49-F238E27FC236}">
-                <a16:creationId xmlns:a16="http://schemas.microsoft.com/office/drawing/2014/main" id="{C1F7542D-DC0B-46F9-BDA1-2966391EB0C7}"/>
-              </a:ext>
-            </a:extLst>
-          </p:cNvPr>
-          <p:cNvCxnSpPr>
-            <a:stCxn id="4" idx="0"/>
-            <a:endCxn id="12" idx="1"/>
-          </p:cNvCxnSpPr>
-          <p:nvPr/>
-        </p:nvCxnSpPr>
-        <p:spPr>
-          <a:xfrm rot="5400000" flipH="1" flipV="1">
-            <a:off x="2209228" y="1368786"/>
-            <a:ext cx="879687" cy="1936376"/>
-          </a:xfrm>
-          <a:prstGeom prst="bentConnector2">
-            <a:avLst/>
-          </a:prstGeom>
-          <a:ln w="38100">
-            <a:solidFill>
-              <a:schemeClr val="tx1"/>
-            </a:solidFill>
-            <a:tailEnd type="triangle"/>
-          </a:ln>
-        </p:spPr>
-        <p:style>
-          <a:lnRef idx="1">
-            <a:schemeClr val="accent1"/>
-          </a:lnRef>
-          <a:fillRef idx="0">
-            <a:schemeClr val="accent1"/>
-          </a:fillRef>
-          <a:effectRef idx="0">
-            <a:schemeClr val="accent1"/>
-          </a:effectRef>
-          <a:fontRef idx="minor">
-            <a:schemeClr val="tx1"/>
-          </a:fontRef>
-        </p:style>
-      </p:cxnSp>
-      <p:sp>
-        <p:nvSpPr>
-          <p:cNvPr id="15" name="TextBox 14">
-            <a:extLst>
-              <a:ext uri="{FF2B5EF4-FFF2-40B4-BE49-F238E27FC236}">
-                <a16:creationId xmlns:a16="http://schemas.microsoft.com/office/drawing/2014/main" id="{6D2E4567-7B75-4F94-A8DE-05D31D3AF007}"/>
-              </a:ext>
-            </a:extLst>
-          </p:cNvPr>
-          <p:cNvSpPr txBox="1"/>
-          <p:nvPr/>
-        </p:nvSpPr>
-        <p:spPr>
-          <a:xfrm>
-            <a:off x="1680883" y="1594980"/>
-            <a:ext cx="1856598" cy="276999"/>
-          </a:xfrm>
-          <a:prstGeom prst="rect">
-            <a:avLst/>
-          </a:prstGeom>
-          <a:noFill/>
-        </p:spPr>
-        <p:txBody>
-          <a:bodyPr wrap="none" rtlCol="0">
-            <a:spAutoFit/>
-          </a:bodyPr>
-          <a:lstStyle/>
-          <a:p>
-            <a:r>
-              <a:rPr lang="ko-KR" altLang="en-US" sz="1200" dirty="0"/>
-              <a:t>코드를 통해 새로 </a:t>
-            </a:r>
-            <a:r>
-              <a:rPr lang="en-US" altLang="ko-KR" sz="1200" dirty="0"/>
-              <a:t>labeling</a:t>
-            </a:r>
-            <a:endParaRPr lang="ko-KR" altLang="en-US" sz="1200" dirty="0"/>
-          </a:p>
-        </p:txBody>
-      </p:sp>
-      <p:cxnSp>
-        <p:nvCxnSpPr>
-          <p:cNvPr id="16" name="직선 화살표 연결선 15">
-            <a:extLst>
-              <a:ext uri="{FF2B5EF4-FFF2-40B4-BE49-F238E27FC236}">
-                <a16:creationId xmlns:a16="http://schemas.microsoft.com/office/drawing/2014/main" id="{2BC006CA-CFFA-48BC-A437-F5532BA283B9}"/>
-              </a:ext>
-            </a:extLst>
-          </p:cNvPr>
-          <p:cNvCxnSpPr>
-            <a:cxnSpLocks/>
-          </p:cNvCxnSpPr>
-          <p:nvPr/>
-        </p:nvCxnSpPr>
-        <p:spPr>
-          <a:xfrm>
-            <a:off x="5042647" y="1572568"/>
-            <a:ext cx="992841" cy="0"/>
-          </a:xfrm>
-          <a:prstGeom prst="straightConnector1">
-            <a:avLst/>
-          </a:prstGeom>
-          <a:ln w="38100">
-            <a:solidFill>
-              <a:schemeClr val="tx1"/>
-            </a:solidFill>
-            <a:tailEnd type="triangle"/>
-          </a:ln>
-        </p:spPr>
-        <p:style>
-          <a:lnRef idx="1">
-            <a:schemeClr val="accent1"/>
-          </a:lnRef>
-          <a:fillRef idx="0">
-            <a:schemeClr val="accent1"/>
-          </a:fillRef>
-          <a:effectRef idx="0">
-            <a:schemeClr val="accent1"/>
-          </a:effectRef>
-          <a:fontRef idx="minor">
-            <a:schemeClr val="tx1"/>
-          </a:fontRef>
-        </p:style>
-      </p:cxnSp>
-      <p:cxnSp>
-        <p:nvCxnSpPr>
-          <p:cNvPr id="21" name="연결선: 꺾임 20">
-            <a:extLst>
-              <a:ext uri="{FF2B5EF4-FFF2-40B4-BE49-F238E27FC236}">
-                <a16:creationId xmlns:a16="http://schemas.microsoft.com/office/drawing/2014/main" id="{34B94699-807A-413F-8082-F98F5FD92E47}"/>
-              </a:ext>
-            </a:extLst>
-          </p:cNvPr>
-          <p:cNvCxnSpPr>
-            <a:cxnSpLocks/>
-            <a:stCxn id="24" idx="0"/>
-            <a:endCxn id="6" idx="0"/>
-          </p:cNvCxnSpPr>
-          <p:nvPr/>
-        </p:nvCxnSpPr>
-        <p:spPr>
-          <a:xfrm rot="16200000" flipV="1">
-            <a:off x="8393041" y="-14427"/>
-            <a:ext cx="5933" cy="2710701"/>
-          </a:xfrm>
-          <a:prstGeom prst="bentConnector3">
-            <a:avLst>
-              <a:gd name="adj1" fmla="val 7806051"/>
-            </a:avLst>
-          </a:prstGeom>
-          <a:ln w="38100">
-            <a:solidFill>
-              <a:schemeClr val="tx1"/>
-            </a:solidFill>
-            <a:tailEnd type="triangle"/>
-          </a:ln>
-        </p:spPr>
-        <p:style>
-          <a:lnRef idx="1">
-            <a:schemeClr val="accent1"/>
-          </a:lnRef>
-          <a:fillRef idx="0">
-            <a:schemeClr val="accent1"/>
-          </a:fillRef>
-          <a:effectRef idx="0">
-            <a:schemeClr val="accent1"/>
-          </a:effectRef>
-          <a:fontRef idx="minor">
-            <a:schemeClr val="tx1"/>
-          </a:fontRef>
-        </p:style>
-      </p:cxnSp>
-      <p:sp>
-        <p:nvSpPr>
-          <p:cNvPr id="23" name="TextBox 22">
-            <a:extLst>
-              <a:ext uri="{FF2B5EF4-FFF2-40B4-BE49-F238E27FC236}">
-                <a16:creationId xmlns:a16="http://schemas.microsoft.com/office/drawing/2014/main" id="{65CCE90D-3CB1-4AB2-BECF-D59E18EB6D06}"/>
-              </a:ext>
-            </a:extLst>
-          </p:cNvPr>
-          <p:cNvSpPr txBox="1"/>
-          <p:nvPr/>
-        </p:nvSpPr>
-        <p:spPr>
-          <a:xfrm>
-            <a:off x="8149785" y="592956"/>
-            <a:ext cx="492443" cy="276999"/>
-          </a:xfrm>
-          <a:prstGeom prst="rect">
-            <a:avLst/>
-          </a:prstGeom>
-          <a:noFill/>
-        </p:spPr>
-        <p:txBody>
-          <a:bodyPr wrap="none" rtlCol="0">
-            <a:spAutoFit/>
-          </a:bodyPr>
-          <a:lstStyle/>
-          <a:p>
-            <a:r>
-              <a:rPr lang="ko-KR" altLang="en-US" sz="1200" dirty="0"/>
-              <a:t>학습</a:t>
-            </a:r>
-          </a:p>
-        </p:txBody>
-      </p:sp>
-      <p:sp>
-        <p:nvSpPr>
-          <p:cNvPr id="24" name="직사각형 23">
-            <a:extLst>
-              <a:ext uri="{FF2B5EF4-FFF2-40B4-BE49-F238E27FC236}">
-                <a16:creationId xmlns:a16="http://schemas.microsoft.com/office/drawing/2014/main" id="{7A523C6B-CE32-43C5-B6CE-C8F30E3C3545}"/>
-              </a:ext>
-            </a:extLst>
-          </p:cNvPr>
-          <p:cNvSpPr/>
-          <p:nvPr/>
-        </p:nvSpPr>
-        <p:spPr>
-          <a:xfrm>
-            <a:off x="9038663" y="1343890"/>
-            <a:ext cx="1425388" cy="1190065"/>
-          </a:xfrm>
-          <a:prstGeom prst="rect">
-            <a:avLst/>
-          </a:prstGeom>
-          <a:solidFill>
-            <a:schemeClr val="bg1"/>
-          </a:solidFill>
-          <a:ln w="38100">
-            <a:solidFill>
-              <a:schemeClr val="tx1"/>
-            </a:solidFill>
-          </a:ln>
-        </p:spPr>
-        <p:style>
-          <a:lnRef idx="2">
-            <a:schemeClr val="accent1">
-              <a:shade val="50000"/>
-            </a:schemeClr>
-          </a:lnRef>
-          <a:fillRef idx="1">
-            <a:schemeClr val="accent1"/>
-          </a:fillRef>
-          <a:effectRef idx="0">
-            <a:schemeClr val="accent1"/>
-          </a:effectRef>
-          <a:fontRef idx="minor">
-            <a:schemeClr val="lt1"/>
-          </a:fontRef>
-        </p:style>
-        <p:txBody>
-          <a:bodyPr rtlCol="0" anchor="ctr"/>
-          <a:lstStyle/>
-          <a:p>
-            <a:pPr algn="ctr"/>
-            <a:r>
-              <a:rPr lang="ko-KR" altLang="en-US" dirty="0"/>
-              <a:t>색 판별</a:t>
-            </a:r>
-            <a:endParaRPr lang="en-US" altLang="ko-KR" dirty="0"/>
-          </a:p>
-          <a:p>
-            <a:pPr algn="ctr"/>
-            <a:r>
-              <a:rPr lang="en-US" altLang="ko-KR" dirty="0"/>
-              <a:t>output</a:t>
-            </a:r>
-            <a:endParaRPr lang="ko-KR" altLang="en-US" dirty="0"/>
-          </a:p>
-        </p:txBody>
-      </p:sp>
-      <p:sp>
-        <p:nvSpPr>
-          <p:cNvPr id="28" name="직사각형 27">
-            <a:extLst>
-              <a:ext uri="{FF2B5EF4-FFF2-40B4-BE49-F238E27FC236}">
-                <a16:creationId xmlns:a16="http://schemas.microsoft.com/office/drawing/2014/main" id="{7AAD1667-26B0-4123-BB34-EB34B04CFE33}"/>
-              </a:ext>
-            </a:extLst>
-          </p:cNvPr>
-          <p:cNvSpPr/>
-          <p:nvPr/>
-        </p:nvSpPr>
-        <p:spPr>
-          <a:xfrm>
-            <a:off x="6035488" y="4329978"/>
-            <a:ext cx="1425388" cy="1190065"/>
-          </a:xfrm>
-          <a:prstGeom prst="rect">
-            <a:avLst/>
-          </a:prstGeom>
-          <a:solidFill>
-            <a:schemeClr val="bg1"/>
-          </a:solidFill>
-          <a:ln w="38100">
-            <a:solidFill>
-              <a:schemeClr val="tx1"/>
-            </a:solidFill>
-          </a:ln>
-        </p:spPr>
-        <p:style>
-          <a:lnRef idx="2">
-            <a:schemeClr val="accent1">
-              <a:shade val="50000"/>
-            </a:schemeClr>
-          </a:lnRef>
-          <a:fillRef idx="1">
-            <a:schemeClr val="accent1"/>
-          </a:fillRef>
-          <a:effectRef idx="0">
-            <a:schemeClr val="accent1"/>
-          </a:effectRef>
-          <a:fontRef idx="minor">
-            <a:schemeClr val="lt1"/>
-          </a:fontRef>
-        </p:style>
-        <p:txBody>
-          <a:bodyPr rtlCol="0" anchor="ctr"/>
-          <a:lstStyle/>
-          <a:p>
-            <a:pPr algn="ctr"/>
-            <a:r>
-              <a:rPr lang="ko-KR" altLang="en-US" dirty="0"/>
-              <a:t>감정 유추</a:t>
-            </a:r>
-            <a:endParaRPr lang="en-US" altLang="ko-KR" dirty="0"/>
-          </a:p>
-          <a:p>
-            <a:pPr algn="ctr"/>
-            <a:r>
-              <a:rPr lang="en-US" altLang="ko-KR" dirty="0"/>
-              <a:t>output</a:t>
-            </a:r>
-            <a:endParaRPr lang="ko-KR" altLang="en-US" dirty="0"/>
-          </a:p>
-        </p:txBody>
-      </p:sp>
-      <p:cxnSp>
-        <p:nvCxnSpPr>
-          <p:cNvPr id="29" name="직선 화살표 연결선 28">
-            <a:extLst>
-              <a:ext uri="{FF2B5EF4-FFF2-40B4-BE49-F238E27FC236}">
-                <a16:creationId xmlns:a16="http://schemas.microsoft.com/office/drawing/2014/main" id="{AF5ED543-6A1A-4BDB-AFCC-239C28349183}"/>
-              </a:ext>
-            </a:extLst>
-          </p:cNvPr>
-          <p:cNvCxnSpPr>
-            <a:cxnSpLocks/>
-          </p:cNvCxnSpPr>
-          <p:nvPr/>
-        </p:nvCxnSpPr>
-        <p:spPr>
-          <a:xfrm>
-            <a:off x="8045822" y="1523262"/>
-            <a:ext cx="992841" cy="0"/>
-          </a:xfrm>
-          <a:prstGeom prst="straightConnector1">
-            <a:avLst/>
-          </a:prstGeom>
-          <a:ln w="38100">
-            <a:solidFill>
-              <a:schemeClr val="tx1"/>
-            </a:solidFill>
-            <a:tailEnd type="triangle"/>
-          </a:ln>
-        </p:spPr>
-        <p:style>
-          <a:lnRef idx="1">
-            <a:schemeClr val="accent1"/>
-          </a:lnRef>
-          <a:fillRef idx="0">
-            <a:schemeClr val="accent1"/>
-          </a:fillRef>
-          <a:effectRef idx="0">
-            <a:schemeClr val="accent1"/>
-          </a:effectRef>
-          <a:fontRef idx="minor">
-            <a:schemeClr val="tx1"/>
-          </a:fontRef>
-        </p:style>
-      </p:cxnSp>
-      <p:cxnSp>
-        <p:nvCxnSpPr>
-          <p:cNvPr id="30" name="직선 화살표 연결선 29">
-            <a:extLst>
-              <a:ext uri="{FF2B5EF4-FFF2-40B4-BE49-F238E27FC236}">
-                <a16:creationId xmlns:a16="http://schemas.microsoft.com/office/drawing/2014/main" id="{C626E7DC-A2E2-4894-99BA-6E6FB0C96611}"/>
-              </a:ext>
-            </a:extLst>
-          </p:cNvPr>
-          <p:cNvCxnSpPr>
-            <a:cxnSpLocks/>
-          </p:cNvCxnSpPr>
-          <p:nvPr/>
-        </p:nvCxnSpPr>
-        <p:spPr>
-          <a:xfrm>
-            <a:off x="5042647" y="4915307"/>
-            <a:ext cx="992841" cy="0"/>
-          </a:xfrm>
-          <a:prstGeom prst="straightConnector1">
-            <a:avLst/>
-          </a:prstGeom>
-          <a:ln w="38100">
-            <a:solidFill>
-              <a:schemeClr val="tx1"/>
-            </a:solidFill>
-            <a:tailEnd type="triangle"/>
-          </a:ln>
-        </p:spPr>
-        <p:style>
-          <a:lnRef idx="1">
-            <a:schemeClr val="accent1"/>
-          </a:lnRef>
-          <a:fillRef idx="0">
-            <a:schemeClr val="accent1"/>
-          </a:fillRef>
-          <a:effectRef idx="0">
-            <a:schemeClr val="accent1"/>
-          </a:effectRef>
-          <a:fontRef idx="minor">
-            <a:schemeClr val="tx1"/>
-          </a:fontRef>
-        </p:style>
-      </p:cxnSp>
-      <p:cxnSp>
-        <p:nvCxnSpPr>
-          <p:cNvPr id="32" name="연결선: 꺾임 31">
-            <a:extLst>
-              <a:ext uri="{FF2B5EF4-FFF2-40B4-BE49-F238E27FC236}">
-                <a16:creationId xmlns:a16="http://schemas.microsoft.com/office/drawing/2014/main" id="{66727FD1-5367-4FA7-8C81-B791D09667C8}"/>
-              </a:ext>
-            </a:extLst>
-          </p:cNvPr>
-          <p:cNvCxnSpPr>
-            <a:stCxn id="28" idx="2"/>
-            <a:endCxn id="5" idx="2"/>
-          </p:cNvCxnSpPr>
-          <p:nvPr/>
-        </p:nvCxnSpPr>
-        <p:spPr>
-          <a:xfrm rot="5400000" flipH="1">
-            <a:off x="5275526" y="4047387"/>
-            <a:ext cx="234610" cy="2710702"/>
-          </a:xfrm>
-          <a:prstGeom prst="bentConnector3">
-            <a:avLst>
-              <a:gd name="adj1" fmla="val -163352"/>
-            </a:avLst>
-          </a:prstGeom>
-          <a:ln w="38100">
-            <a:solidFill>
-              <a:schemeClr val="tx1"/>
-            </a:solidFill>
-            <a:tailEnd type="triangle"/>
-          </a:ln>
-        </p:spPr>
-        <p:style>
-          <a:lnRef idx="1">
-            <a:schemeClr val="accent1"/>
-          </a:lnRef>
-          <a:fillRef idx="0">
-            <a:schemeClr val="accent1"/>
-          </a:fillRef>
-          <a:effectRef idx="0">
-            <a:schemeClr val="accent1"/>
-          </a:effectRef>
-          <a:fontRef idx="minor">
-            <a:schemeClr val="tx1"/>
-          </a:fontRef>
-        </p:style>
-      </p:cxnSp>
-      <p:sp>
-        <p:nvSpPr>
-          <p:cNvPr id="34" name="TextBox 33">
-            <a:extLst>
-              <a:ext uri="{FF2B5EF4-FFF2-40B4-BE49-F238E27FC236}">
-                <a16:creationId xmlns:a16="http://schemas.microsoft.com/office/drawing/2014/main" id="{52EEFB55-E76A-4E03-8259-E6BF235FCE75}"/>
-              </a:ext>
-            </a:extLst>
-          </p:cNvPr>
-          <p:cNvSpPr txBox="1"/>
-          <p:nvPr/>
-        </p:nvSpPr>
-        <p:spPr>
-          <a:xfrm>
-            <a:off x="5146609" y="5949368"/>
-            <a:ext cx="492443" cy="276999"/>
-          </a:xfrm>
-          <a:prstGeom prst="rect">
-            <a:avLst/>
-          </a:prstGeom>
-          <a:noFill/>
-        </p:spPr>
-        <p:txBody>
-          <a:bodyPr wrap="none" rtlCol="0">
-            <a:spAutoFit/>
-          </a:bodyPr>
-          <a:lstStyle/>
-          <a:p>
-            <a:r>
-              <a:rPr lang="ko-KR" altLang="en-US" sz="1200" dirty="0"/>
-              <a:t>학습</a:t>
-            </a:r>
-          </a:p>
-        </p:txBody>
-      </p:sp>
-      <p:sp>
-        <p:nvSpPr>
-          <p:cNvPr id="35" name="직사각형 34">
-            <a:extLst>
-              <a:ext uri="{FF2B5EF4-FFF2-40B4-BE49-F238E27FC236}">
-                <a16:creationId xmlns:a16="http://schemas.microsoft.com/office/drawing/2014/main" id="{3CE79DC9-C8BA-42C6-88BB-BF8E72E7AA52}"/>
-              </a:ext>
-            </a:extLst>
-          </p:cNvPr>
-          <p:cNvSpPr/>
-          <p:nvPr/>
-        </p:nvSpPr>
-        <p:spPr>
-          <a:xfrm>
-            <a:off x="968189" y="4475289"/>
-            <a:ext cx="1425388" cy="1190065"/>
-          </a:xfrm>
-          <a:prstGeom prst="rect">
-            <a:avLst/>
-          </a:prstGeom>
-          <a:solidFill>
-            <a:schemeClr val="bg1"/>
-          </a:solidFill>
-          <a:ln w="38100">
-            <a:solidFill>
-              <a:srgbClr val="FF0000"/>
-            </a:solidFill>
-          </a:ln>
-        </p:spPr>
-        <p:style>
-          <a:lnRef idx="2">
-            <a:schemeClr val="accent1">
-              <a:shade val="50000"/>
-            </a:schemeClr>
-          </a:lnRef>
-          <a:fillRef idx="1">
-            <a:schemeClr val="accent1"/>
-          </a:fillRef>
-          <a:effectRef idx="0">
-            <a:schemeClr val="accent1"/>
-          </a:effectRef>
-          <a:fontRef idx="minor">
-            <a:schemeClr val="lt1"/>
-          </a:fontRef>
-        </p:style>
-        <p:txBody>
-          <a:bodyPr rtlCol="0" anchor="ctr"/>
-          <a:lstStyle/>
-          <a:p>
-            <a:pPr algn="ctr"/>
-            <a:r>
-              <a:rPr lang="ko-KR" altLang="en-US" dirty="0"/>
-              <a:t>실제 데이터</a:t>
-            </a:r>
-          </a:p>
-        </p:txBody>
-      </p:sp>
-      <p:cxnSp>
-        <p:nvCxnSpPr>
-          <p:cNvPr id="37" name="직선 화살표 연결선 36">
-            <a:extLst>
-              <a:ext uri="{FF2B5EF4-FFF2-40B4-BE49-F238E27FC236}">
-                <a16:creationId xmlns:a16="http://schemas.microsoft.com/office/drawing/2014/main" id="{AF79ACA3-8399-4577-88AE-B50147A681E9}"/>
-              </a:ext>
-            </a:extLst>
-          </p:cNvPr>
-          <p:cNvCxnSpPr/>
-          <p:nvPr/>
-        </p:nvCxnSpPr>
-        <p:spPr>
-          <a:xfrm>
-            <a:off x="2393577" y="4766982"/>
-            <a:ext cx="638735" cy="0"/>
-          </a:xfrm>
-          <a:prstGeom prst="straightConnector1">
-            <a:avLst/>
-          </a:prstGeom>
-          <a:ln w="38100">
-            <a:solidFill>
-              <a:srgbClr val="FF0000"/>
-            </a:solidFill>
-            <a:tailEnd type="triangle"/>
-          </a:ln>
-        </p:spPr>
-        <p:style>
-          <a:lnRef idx="1">
-            <a:schemeClr val="accent1"/>
-          </a:lnRef>
-          <a:fillRef idx="0">
-            <a:schemeClr val="accent1"/>
-          </a:fillRef>
-          <a:effectRef idx="0">
-            <a:schemeClr val="accent1"/>
-          </a:effectRef>
-          <a:fontRef idx="minor">
-            <a:schemeClr val="tx1"/>
-          </a:fontRef>
-        </p:style>
-      </p:cxnSp>
-      <p:cxnSp>
-        <p:nvCxnSpPr>
-          <p:cNvPr id="39" name="직선 화살표 연결선 38">
-            <a:extLst>
-              <a:ext uri="{FF2B5EF4-FFF2-40B4-BE49-F238E27FC236}">
-                <a16:creationId xmlns:a16="http://schemas.microsoft.com/office/drawing/2014/main" id="{97CE7C26-38EC-406B-9E14-8F7B0B0BBD3C}"/>
-              </a:ext>
-            </a:extLst>
-          </p:cNvPr>
-          <p:cNvCxnSpPr/>
-          <p:nvPr/>
-        </p:nvCxnSpPr>
-        <p:spPr>
-          <a:xfrm>
-            <a:off x="5042647" y="3247465"/>
-            <a:ext cx="992840" cy="0"/>
-          </a:xfrm>
-          <a:prstGeom prst="straightConnector1">
-            <a:avLst/>
-          </a:prstGeom>
-          <a:ln w="38100">
-            <a:solidFill>
-              <a:srgbClr val="FF0000"/>
-            </a:solidFill>
-            <a:tailEnd type="triangle"/>
-          </a:ln>
-        </p:spPr>
-        <p:style>
-          <a:lnRef idx="1">
-            <a:schemeClr val="accent1"/>
-          </a:lnRef>
-          <a:fillRef idx="0">
-            <a:schemeClr val="accent1"/>
-          </a:fillRef>
-          <a:effectRef idx="0">
-            <a:schemeClr val="accent1"/>
-          </a:effectRef>
-          <a:fontRef idx="minor">
-            <a:schemeClr val="tx1"/>
-          </a:fontRef>
-        </p:style>
-      </p:cxnSp>
-      <p:cxnSp>
-        <p:nvCxnSpPr>
-          <p:cNvPr id="40" name="직선 화살표 연결선 39">
-            <a:extLst>
-              <a:ext uri="{FF2B5EF4-FFF2-40B4-BE49-F238E27FC236}">
-                <a16:creationId xmlns:a16="http://schemas.microsoft.com/office/drawing/2014/main" id="{5D686A90-2D11-4546-9C7A-55413C7EBB6F}"/>
-              </a:ext>
-            </a:extLst>
-          </p:cNvPr>
-          <p:cNvCxnSpPr/>
-          <p:nvPr/>
-        </p:nvCxnSpPr>
-        <p:spPr>
-          <a:xfrm>
-            <a:off x="8045823" y="3662083"/>
-            <a:ext cx="992840" cy="0"/>
-          </a:xfrm>
-          <a:prstGeom prst="straightConnector1">
-            <a:avLst/>
-          </a:prstGeom>
-          <a:ln w="38100">
-            <a:solidFill>
-              <a:srgbClr val="FF0000"/>
-            </a:solidFill>
-            <a:tailEnd type="triangle"/>
-          </a:ln>
-        </p:spPr>
-        <p:style>
-          <a:lnRef idx="1">
-            <a:schemeClr val="accent1"/>
-          </a:lnRef>
-          <a:fillRef idx="0">
-            <a:schemeClr val="accent1"/>
-          </a:fillRef>
-          <a:effectRef idx="0">
-            <a:schemeClr val="accent1"/>
-          </a:effectRef>
-          <a:fontRef idx="minor">
-            <a:schemeClr val="tx1"/>
-          </a:fontRef>
-        </p:style>
-      </p:cxnSp>
+      </p:pic>
     </p:spTree>
     <p:extLst>
       <p:ext uri="{BB962C8B-B14F-4D97-AF65-F5344CB8AC3E}">
-        <p14:creationId xmlns:p14="http://schemas.microsoft.com/office/powerpoint/2010/main" val="1265407113"/>
+        <p14:creationId xmlns:p14="http://schemas.microsoft.com/office/powerpoint/2010/main" val="1735250975"/>
       </p:ext>
     </p:extLst>
   </p:cSld>
@@ -6502,7 +6915,7 @@
           <a:p>
             <a:r>
               <a:rPr lang="ko-KR" altLang="en-US" dirty="0"/>
-              <a:t>감정 유추 모델에는 </a:t>
+              <a:t>색 판별 모델을 위해 </a:t>
             </a:r>
             <a:r>
               <a:rPr lang="en-US" altLang="ko-KR" dirty="0"/>
@@ -6510,7 +6923,39 @@
             </a:r>
             <a:r>
               <a:rPr lang="ko-KR" altLang="en-US" dirty="0"/>
-              <a:t>의 데이터 셋에 존재하는 데이터 그대로 활용</a:t>
+              <a:t>의 데이터 셋에서 </a:t>
+            </a:r>
+            <a:r>
+              <a:rPr lang="en-US" altLang="ko-KR" dirty="0"/>
+              <a:t>python</a:t>
+            </a:r>
+            <a:r>
+              <a:rPr lang="ko-KR" altLang="en-US" dirty="0"/>
+              <a:t>의 </a:t>
+            </a:r>
+            <a:r>
+              <a:rPr lang="en-US" altLang="ko-KR" dirty="0"/>
+              <a:t>“PIL”</a:t>
+            </a:r>
+            <a:r>
+              <a:rPr lang="ko-KR" altLang="en-US" dirty="0"/>
+              <a:t>을 활용하여 각 픽셀의 </a:t>
+            </a:r>
+            <a:r>
+              <a:rPr lang="en-US" altLang="ko-KR" dirty="0"/>
+              <a:t>RGB </a:t>
+            </a:r>
+            <a:r>
+              <a:rPr lang="ko-KR" altLang="en-US" dirty="0"/>
+              <a:t>값을 뽑아내어 새로운 </a:t>
+            </a:r>
+            <a:r>
+              <a:rPr lang="en-US" altLang="ko-KR" dirty="0"/>
+              <a:t>csv </a:t>
+            </a:r>
+            <a:r>
+              <a:rPr lang="ko-KR" altLang="en-US" dirty="0"/>
+              <a:t>파일 생성</a:t>
             </a:r>
             <a:endParaRPr lang="en-US" altLang="ko-KR" dirty="0"/>
           </a:p>
@@ -6520,8 +6965,38 @@
           <a:p>
             <a:r>
               <a:rPr lang="ko-KR" altLang="en-US" dirty="0"/>
-              <a:t>색 판별 모델을 위해 </a:t>
-            </a:r>
+              <a:t>새로 생성된 </a:t>
+            </a:r>
+            <a:r>
+              <a:rPr lang="en-US" altLang="ko-KR" dirty="0"/>
+              <a:t>csv</a:t>
+            </a:r>
+            <a:r>
+              <a:rPr lang="ko-KR" altLang="en-US" dirty="0"/>
+              <a:t>에 </a:t>
+            </a:r>
+            <a:r>
+              <a:rPr lang="en-US" altLang="ko-KR" dirty="0"/>
+              <a:t>labeling</a:t>
+            </a:r>
+            <a:r>
+              <a:rPr lang="ko-KR" altLang="en-US" dirty="0"/>
+              <a:t>을 위한 코드 작성</a:t>
+            </a:r>
+            <a:r>
+              <a:rPr lang="en-US" altLang="ko-KR" dirty="0"/>
+              <a:t>, csv </a:t>
+            </a:r>
+            <a:r>
+              <a:rPr lang="ko-KR" altLang="en-US" dirty="0"/>
+              <a:t>파일에 기록</a:t>
+            </a:r>
+            <a:endParaRPr lang="en-US" altLang="ko-KR" dirty="0"/>
+          </a:p>
+          <a:p>
+            <a:endParaRPr lang="en-US" altLang="ko-KR" dirty="0"/>
+          </a:p>
+          <a:p>
             <a:r>
               <a:rPr lang="en-US" altLang="ko-KR" dirty="0"/>
               <a:t>Kaggle</a:t>
@@ -6532,71 +7007,40 @@
             </a:r>
             <a:r>
               <a:rPr lang="en-US" altLang="ko-KR" dirty="0"/>
-              <a:t>python</a:t>
+              <a:t>2</a:t>
             </a:r>
             <a:r>
               <a:rPr lang="ko-KR" altLang="en-US" dirty="0"/>
-              <a:t>의 </a:t>
+              <a:t>가지 분류</a:t>
             </a:r>
             <a:r>
               <a:rPr lang="en-US" altLang="ko-KR" dirty="0"/>
-              <a:t>“PIL”</a:t>
+              <a:t>(</a:t>
             </a:r>
             <a:r>
               <a:rPr lang="ko-KR" altLang="en-US" dirty="0"/>
-              <a:t>을 활용하여 각 픽셀의 </a:t>
+              <a:t>위협</a:t>
             </a:r>
             <a:r>
               <a:rPr lang="en-US" altLang="ko-KR" dirty="0"/>
-              <a:t>RGB </a:t>
+              <a:t>, </a:t>
             </a:r>
             <a:r>
               <a:rPr lang="ko-KR" altLang="en-US" dirty="0"/>
-              <a:t>값을 뽑아내어 새로운 </a:t>
+              <a:t>안정</a:t>
             </a:r>
             <a:r>
               <a:rPr lang="en-US" altLang="ko-KR" dirty="0"/>
-              <a:t>csv </a:t>
+              <a:t>)</a:t>
             </a:r>
             <a:r>
               <a:rPr lang="ko-KR" altLang="en-US" dirty="0"/>
-              <a:t>파일 생성</a:t>
-            </a:r>
-            <a:endParaRPr lang="en-US" altLang="ko-KR" dirty="0"/>
-          </a:p>
-          <a:p>
-            <a:endParaRPr lang="en-US" altLang="ko-KR" dirty="0"/>
-          </a:p>
-          <a:p>
-            <a:r>
-              <a:rPr lang="ko-KR" altLang="en-US" dirty="0"/>
-              <a:t>새로 생성된 </a:t>
-            </a:r>
-            <a:r>
-              <a:rPr lang="en-US" altLang="ko-KR" dirty="0"/>
-              <a:t>csv</a:t>
-            </a:r>
-            <a:r>
-              <a:rPr lang="ko-KR" altLang="en-US" dirty="0"/>
-              <a:t>에 </a:t>
+              <a:t>으로 새로 구분하여 </a:t>
             </a:r>
             <a:r>
               <a:rPr lang="en-US" altLang="ko-KR" dirty="0"/>
               <a:t>labeling</a:t>
             </a:r>
-            <a:r>
-              <a:rPr lang="ko-KR" altLang="en-US" dirty="0"/>
-              <a:t>을 위한 코드 작성</a:t>
-            </a:r>
-            <a:r>
-              <a:rPr lang="en-US" altLang="ko-KR" dirty="0"/>
-              <a:t>, csv </a:t>
-            </a:r>
-            <a:r>
-              <a:rPr lang="ko-KR" altLang="en-US" dirty="0"/>
-              <a:t>파일에 기록</a:t>
-            </a:r>
-            <a:endParaRPr lang="en-US" altLang="ko-KR" dirty="0"/>
           </a:p>
           <a:p>
             <a:endParaRPr lang="en-US" altLang="ko-KR" dirty="0"/>
@@ -6724,38 +7168,8 @@
         </p:blipFill>
         <p:spPr>
           <a:xfrm>
-            <a:off x="1409074" y="2253511"/>
-            <a:ext cx="5429470" cy="2930469"/>
-          </a:xfrm>
-          <a:prstGeom prst="rect">
-            <a:avLst/>
-          </a:prstGeom>
-        </p:spPr>
-      </p:pic>
-      <p:pic>
-        <p:nvPicPr>
-          <p:cNvPr id="6" name="그림 5">
-            <a:extLst>
-              <a:ext uri="{FF2B5EF4-FFF2-40B4-BE49-F238E27FC236}">
-                <a16:creationId xmlns:a16="http://schemas.microsoft.com/office/drawing/2014/main" id="{BE851FB7-F3D7-4F16-BF24-DE44AA441689}"/>
-              </a:ext>
-            </a:extLst>
-          </p:cNvPr>
-          <p:cNvPicPr>
-            <a:picLocks noChangeAspect="1"/>
-          </p:cNvPicPr>
-          <p:nvPr/>
-        </p:nvPicPr>
-        <p:blipFill>
-          <a:blip r:embed="rId4"/>
-          <a:stretch>
-            <a:fillRect/>
-          </a:stretch>
-        </p:blipFill>
-        <p:spPr>
-          <a:xfrm>
-            <a:off x="7609114" y="1258289"/>
-            <a:ext cx="2185057" cy="4920914"/>
+            <a:off x="2537819" y="2065252"/>
+            <a:ext cx="7116361" cy="3840941"/>
           </a:xfrm>
           <a:prstGeom prst="rect">
             <a:avLst/>
